--- a/React_PPT.pptx
+++ b/React_PPT.pptx
@@ -7,18 +7,19 @@
   <p:sldIdLst>
     <p:sldId id="256" r:id="rId2"/>
     <p:sldId id="257" r:id="rId3"/>
-    <p:sldId id="267" r:id="rId4"/>
-    <p:sldId id="268" r:id="rId5"/>
-    <p:sldId id="270" r:id="rId6"/>
-    <p:sldId id="269" r:id="rId7"/>
-    <p:sldId id="271" r:id="rId8"/>
-    <p:sldId id="272" r:id="rId9"/>
-    <p:sldId id="273" r:id="rId10"/>
-    <p:sldId id="274" r:id="rId11"/>
-    <p:sldId id="275" r:id="rId12"/>
-    <p:sldId id="276" r:id="rId13"/>
-    <p:sldId id="265" r:id="rId14"/>
-    <p:sldId id="266" r:id="rId15"/>
+    <p:sldId id="277" r:id="rId4"/>
+    <p:sldId id="267" r:id="rId5"/>
+    <p:sldId id="268" r:id="rId6"/>
+    <p:sldId id="270" r:id="rId7"/>
+    <p:sldId id="269" r:id="rId8"/>
+    <p:sldId id="271" r:id="rId9"/>
+    <p:sldId id="272" r:id="rId10"/>
+    <p:sldId id="273" r:id="rId11"/>
+    <p:sldId id="274" r:id="rId12"/>
+    <p:sldId id="275" r:id="rId13"/>
+    <p:sldId id="276" r:id="rId14"/>
+    <p:sldId id="265" r:id="rId15"/>
+    <p:sldId id="266" r:id="rId16"/>
   </p:sldIdLst>
   <p:sldSz cx="12192000" cy="6858000"/>
   <p:notesSz cx="6858000" cy="9144000"/>
@@ -123,6 +124,312 @@
     </p:ext>
   </p:extLst>
 </p:presentation>
+</file>
+
+<file path=ppt/changesInfos/changesInfo1.xml><?xml version="1.0" encoding="utf-8"?>
+<pc:chgInfo xmlns:a="http://schemas.openxmlformats.org/drawingml/2006/main" xmlns:r="http://schemas.openxmlformats.org/officeDocument/2006/relationships" xmlns:ac="http://schemas.microsoft.com/office/drawing/2013/main/command" xmlns:pc="http://schemas.microsoft.com/office/powerpoint/2013/main/command">
+  <pc:docChgLst>
+    <pc:chgData name="Susmitha Y" userId="aa679c82c9f7716f" providerId="Windows Live" clId="Web-{74ED9990-12F1-4C05-9447-8ADBDD6699A6}"/>
+    <pc:docChg chg="addSld delSld modSld sldOrd">
+      <pc:chgData name="Susmitha Y" userId="aa679c82c9f7716f" providerId="Windows Live" clId="Web-{74ED9990-12F1-4C05-9447-8ADBDD6699A6}" dt="2018-05-13T10:29:49.971" v="461"/>
+      <pc:docMkLst>
+        <pc:docMk/>
+      </pc:docMkLst>
+      <pc:sldChg chg="delSp modSp add del replId">
+        <pc:chgData name="Susmitha Y" userId="aa679c82c9f7716f" providerId="Windows Live" clId="Web-{74ED9990-12F1-4C05-9447-8ADBDD6699A6}" dt="2018-05-13T09:36:41.245" v="31"/>
+        <pc:sldMkLst>
+          <pc:docMk/>
+          <pc:sldMk cId="1308969259" sldId="278"/>
+        </pc:sldMkLst>
+        <pc:spChg chg="mod">
+          <ac:chgData name="Susmitha Y" userId="aa679c82c9f7716f" providerId="Windows Live" clId="Web-{74ED9990-12F1-4C05-9447-8ADBDD6699A6}" dt="2018-05-13T09:35:05.807" v="28" actId="20577"/>
+          <ac:spMkLst>
+            <pc:docMk/>
+            <pc:sldMk cId="1308969259" sldId="278"/>
+            <ac:spMk id="2" creationId="{00000000-0000-0000-0000-000000000000}"/>
+          </ac:spMkLst>
+        </pc:spChg>
+        <pc:picChg chg="del">
+          <ac:chgData name="Susmitha Y" userId="aa679c82c9f7716f" providerId="Windows Live" clId="Web-{74ED9990-12F1-4C05-9447-8ADBDD6699A6}" dt="2018-05-13T09:34:39.978" v="1"/>
+          <ac:picMkLst>
+            <pc:docMk/>
+            <pc:sldMk cId="1308969259" sldId="278"/>
+            <ac:picMk id="5" creationId="{00000000-0000-0000-0000-000000000000}"/>
+          </ac:picMkLst>
+        </pc:picChg>
+      </pc:sldChg>
+      <pc:sldChg chg="modSp add del ord replId">
+        <pc:chgData name="Susmitha Y" userId="aa679c82c9f7716f" providerId="Windows Live" clId="Web-{74ED9990-12F1-4C05-9447-8ADBDD6699A6}" dt="2018-05-13T10:29:49.971" v="461"/>
+        <pc:sldMkLst>
+          <pc:docMk/>
+          <pc:sldMk cId="1516307785" sldId="278"/>
+        </pc:sldMkLst>
+        <pc:spChg chg="mod">
+          <ac:chgData name="Susmitha Y" userId="aa679c82c9f7716f" providerId="Windows Live" clId="Web-{74ED9990-12F1-4C05-9447-8ADBDD6699A6}" dt="2018-05-13T09:42:42.641" v="368" actId="20577"/>
+          <ac:spMkLst>
+            <pc:docMk/>
+            <pc:sldMk cId="1516307785" sldId="278"/>
+            <ac:spMk id="2" creationId="{00000000-0000-0000-0000-000000000000}"/>
+          </ac:spMkLst>
+        </pc:spChg>
+        <pc:spChg chg="mod">
+          <ac:chgData name="Susmitha Y" userId="aa679c82c9f7716f" providerId="Windows Live" clId="Web-{74ED9990-12F1-4C05-9447-8ADBDD6699A6}" dt="2018-05-13T09:42:05.188" v="329" actId="20577"/>
+          <ac:spMkLst>
+            <pc:docMk/>
+            <pc:sldMk cId="1516307785" sldId="278"/>
+            <ac:spMk id="3" creationId="{00000000-0000-0000-0000-000000000000}"/>
+          </ac:spMkLst>
+        </pc:spChg>
+        <pc:spChg chg="mod">
+          <ac:chgData name="Susmitha Y" userId="aa679c82c9f7716f" providerId="Windows Live" clId="Web-{74ED9990-12F1-4C05-9447-8ADBDD6699A6}" dt="2018-05-13T09:46:26.989" v="385" actId="20577"/>
+          <ac:spMkLst>
+            <pc:docMk/>
+            <pc:sldMk cId="1516307785" sldId="278"/>
+            <ac:spMk id="4" creationId="{00000000-0000-0000-0000-000000000000}"/>
+          </ac:spMkLst>
+        </pc:spChg>
+      </pc:sldChg>
+      <pc:sldChg chg="addSp delSp modSp add del mod ord replId modClrScheme chgLayout">
+        <pc:chgData name="Susmitha Y" userId="aa679c82c9f7716f" providerId="Windows Live" clId="Web-{74ED9990-12F1-4C05-9447-8ADBDD6699A6}" dt="2018-05-13T09:41:42.890" v="315"/>
+        <pc:sldMkLst>
+          <pc:docMk/>
+          <pc:sldMk cId="3893195724" sldId="278"/>
+        </pc:sldMkLst>
+        <pc:spChg chg="mod ord">
+          <ac:chgData name="Susmitha Y" userId="aa679c82c9f7716f" providerId="Windows Live" clId="Web-{74ED9990-12F1-4C05-9447-8ADBDD6699A6}" dt="2018-05-13T09:41:03.437" v="310"/>
+          <ac:spMkLst>
+            <pc:docMk/>
+            <pc:sldMk cId="3893195724" sldId="278"/>
+            <ac:spMk id="2" creationId="{00000000-0000-0000-0000-000000000000}"/>
+          </ac:spMkLst>
+        </pc:spChg>
+        <pc:spChg chg="mod ord">
+          <ac:chgData name="Susmitha Y" userId="aa679c82c9f7716f" providerId="Windows Live" clId="Web-{74ED9990-12F1-4C05-9447-8ADBDD6699A6}" dt="2018-05-13T09:41:28.250" v="314" actId="14100"/>
+          <ac:spMkLst>
+            <pc:docMk/>
+            <pc:sldMk cId="3893195724" sldId="278"/>
+            <ac:spMk id="4" creationId="{00000000-0000-0000-0000-000000000000}"/>
+          </ac:spMkLst>
+        </pc:spChg>
+        <pc:spChg chg="add del mod ord">
+          <ac:chgData name="Susmitha Y" userId="aa679c82c9f7716f" providerId="Windows Live" clId="Web-{74ED9990-12F1-4C05-9447-8ADBDD6699A6}" dt="2018-05-13T09:41:03.437" v="310"/>
+          <ac:spMkLst>
+            <pc:docMk/>
+            <pc:sldMk cId="3893195724" sldId="278"/>
+            <ac:spMk id="5" creationId="{75787E0B-B2D8-4C7B-ABAC-F08875D058DC}"/>
+          </ac:spMkLst>
+        </pc:spChg>
+        <pc:spChg chg="add del">
+          <ac:chgData name="Susmitha Y" userId="aa679c82c9f7716f" providerId="Windows Live" clId="Web-{74ED9990-12F1-4C05-9447-8ADBDD6699A6}" dt="2018-05-13T09:41:25.687" v="313"/>
+          <ac:spMkLst>
+            <pc:docMk/>
+            <pc:sldMk cId="3893195724" sldId="278"/>
+            <ac:spMk id="6" creationId="{081F7B70-1FFD-40BE-97FD-0404007D27AC}"/>
+          </ac:spMkLst>
+        </pc:spChg>
+        <pc:picChg chg="del">
+          <ac:chgData name="Susmitha Y" userId="aa679c82c9f7716f" providerId="Windows Live" clId="Web-{74ED9990-12F1-4C05-9447-8ADBDD6699A6}" dt="2018-05-13T09:37:37.746" v="65"/>
+          <ac:picMkLst>
+            <pc:docMk/>
+            <pc:sldMk cId="3893195724" sldId="278"/>
+            <ac:picMk id="8" creationId="{00000000-0000-0000-0000-000000000000}"/>
+          </ac:picMkLst>
+        </pc:picChg>
+      </pc:sldChg>
+      <pc:sldChg chg="addSp delSp modSp add del ord replId">
+        <pc:chgData name="Susmitha Y" userId="aa679c82c9f7716f" providerId="Windows Live" clId="Web-{74ED9990-12F1-4C05-9447-8ADBDD6699A6}" dt="2018-05-13T10:29:49.971" v="460"/>
+        <pc:sldMkLst>
+          <pc:docMk/>
+          <pc:sldMk cId="897536232" sldId="279"/>
+        </pc:sldMkLst>
+        <pc:spChg chg="mod">
+          <ac:chgData name="Susmitha Y" userId="aa679c82c9f7716f" providerId="Windows Live" clId="Web-{74ED9990-12F1-4C05-9447-8ADBDD6699A6}" dt="2018-05-13T10:02:10.760" v="406" actId="20577"/>
+          <ac:spMkLst>
+            <pc:docMk/>
+            <pc:sldMk cId="897536232" sldId="279"/>
+            <ac:spMk id="2" creationId="{00000000-0000-0000-0000-000000000000}"/>
+          </ac:spMkLst>
+        </pc:spChg>
+        <pc:picChg chg="add mod">
+          <ac:chgData name="Susmitha Y" userId="aa679c82c9f7716f" providerId="Windows Live" clId="Web-{74ED9990-12F1-4C05-9447-8ADBDD6699A6}" dt="2018-05-13T10:11:44.679" v="430" actId="14100"/>
+          <ac:picMkLst>
+            <pc:docMk/>
+            <pc:sldMk cId="897536232" sldId="279"/>
+            <ac:picMk id="3" creationId="{18813E24-3E48-45AD-BB97-20DDC367AE5B}"/>
+          </ac:picMkLst>
+        </pc:picChg>
+        <pc:picChg chg="del">
+          <ac:chgData name="Susmitha Y" userId="aa679c82c9f7716f" providerId="Windows Live" clId="Web-{74ED9990-12F1-4C05-9447-8ADBDD6699A6}" dt="2018-05-13T10:03:10.854" v="409"/>
+          <ac:picMkLst>
+            <pc:docMk/>
+            <pc:sldMk cId="897536232" sldId="279"/>
+            <ac:picMk id="5" creationId="{00000000-0000-0000-0000-000000000000}"/>
+          </ac:picMkLst>
+        </pc:picChg>
+        <pc:picChg chg="add del mod">
+          <ac:chgData name="Susmitha Y" userId="aa679c82c9f7716f" providerId="Windows Live" clId="Web-{74ED9990-12F1-4C05-9447-8ADBDD6699A6}" dt="2018-05-13T10:17:15.849" v="455" actId="1076"/>
+          <ac:picMkLst>
+            <pc:docMk/>
+            <pc:sldMk cId="897536232" sldId="279"/>
+            <ac:picMk id="6" creationId="{D2CAC995-EBC6-4DDD-91DE-85ADEECD2FF8}"/>
+          </ac:picMkLst>
+        </pc:picChg>
+        <pc:picChg chg="add del mod">
+          <ac:chgData name="Susmitha Y" userId="aa679c82c9f7716f" providerId="Windows Live" clId="Web-{74ED9990-12F1-4C05-9447-8ADBDD6699A6}" dt="2018-05-13T10:17:08.219" v="452"/>
+          <ac:picMkLst>
+            <pc:docMk/>
+            <pc:sldMk cId="897536232" sldId="279"/>
+            <ac:picMk id="8" creationId="{0A858BB9-D77F-436E-881A-AD358866FF33}"/>
+          </ac:picMkLst>
+        </pc:picChg>
+        <pc:picChg chg="add del mod">
+          <ac:chgData name="Susmitha Y" userId="aa679c82c9f7716f" providerId="Windows Live" clId="Web-{74ED9990-12F1-4C05-9447-8ADBDD6699A6}" dt="2018-05-13T10:15:00.197" v="445"/>
+          <ac:picMkLst>
+            <pc:docMk/>
+            <pc:sldMk cId="897536232" sldId="279"/>
+            <ac:picMk id="10" creationId="{0B39CC9D-6B62-430C-A08C-AE8C18A1C071}"/>
+          </ac:picMkLst>
+        </pc:picChg>
+        <pc:picChg chg="add del mod">
+          <ac:chgData name="Susmitha Y" userId="aa679c82c9f7716f" providerId="Windows Live" clId="Web-{74ED9990-12F1-4C05-9447-8ADBDD6699A6}" dt="2018-05-13T10:14:55.182" v="443"/>
+          <ac:picMkLst>
+            <pc:docMk/>
+            <pc:sldMk cId="897536232" sldId="279"/>
+            <ac:picMk id="12" creationId="{EA9ED60A-DB8F-4279-A9B6-E2BF5018E982}"/>
+          </ac:picMkLst>
+        </pc:picChg>
+        <pc:picChg chg="add del mod">
+          <ac:chgData name="Susmitha Y" userId="aa679c82c9f7716f" providerId="Windows Live" clId="Web-{74ED9990-12F1-4C05-9447-8ADBDD6699A6}" dt="2018-05-13T10:16:49.453" v="447"/>
+          <ac:picMkLst>
+            <pc:docMk/>
+            <pc:sldMk cId="897536232" sldId="279"/>
+            <ac:picMk id="14" creationId="{6D8B5012-16E6-4ABF-AFF3-8A904BCBE24E}"/>
+          </ac:picMkLst>
+        </pc:picChg>
+        <pc:picChg chg="add del mod">
+          <ac:chgData name="Susmitha Y" userId="aa679c82c9f7716f" providerId="Windows Live" clId="Web-{74ED9990-12F1-4C05-9447-8ADBDD6699A6}" dt="2018-05-13T10:17:05.781" v="451"/>
+          <ac:picMkLst>
+            <pc:docMk/>
+            <pc:sldMk cId="897536232" sldId="279"/>
+            <ac:picMk id="16" creationId="{4BF32F48-7B9B-4111-AE17-C215C081C4AE}"/>
+          </ac:picMkLst>
+        </pc:picChg>
+      </pc:sldChg>
+    </pc:docChg>
+  </pc:docChgLst>
+  <pc:docChgLst>
+    <pc:chgData name="Susmitha Y" userId="aa679c82c9f7716f" providerId="Windows Live" clId="Web-{058B36F6-29B2-4E67-9749-0E5EB74A475B}"/>
+    <pc:docChg chg="modSld">
+      <pc:chgData name="Susmitha Y" userId="aa679c82c9f7716f" providerId="Windows Live" clId="Web-{058B36F6-29B2-4E67-9749-0E5EB74A475B}" dt="2018-05-13T08:05:48.865" v="71" actId="1076"/>
+      <pc:docMkLst>
+        <pc:docMk/>
+      </pc:docMkLst>
+      <pc:sldChg chg="addSp delSp modSp">
+        <pc:chgData name="Susmitha Y" userId="aa679c82c9f7716f" providerId="Windows Live" clId="Web-{058B36F6-29B2-4E67-9749-0E5EB74A475B}" dt="2018-05-13T08:05:48.865" v="71" actId="1076"/>
+        <pc:sldMkLst>
+          <pc:docMk/>
+          <pc:sldMk cId="417589620" sldId="277"/>
+        </pc:sldMkLst>
+        <pc:picChg chg="mod">
+          <ac:chgData name="Susmitha Y" userId="aa679c82c9f7716f" providerId="Windows Live" clId="Web-{058B36F6-29B2-4E67-9749-0E5EB74A475B}" dt="2018-05-13T08:02:58.219" v="64" actId="1076"/>
+          <ac:picMkLst>
+            <pc:docMk/>
+            <pc:sldMk cId="417589620" sldId="277"/>
+            <ac:picMk id="3" creationId="{721BE6CD-76C7-40F0-8EA7-1222AC58376F}"/>
+          </ac:picMkLst>
+        </pc:picChg>
+        <pc:picChg chg="add mod">
+          <ac:chgData name="Susmitha Y" userId="aa679c82c9f7716f" providerId="Windows Live" clId="Web-{058B36F6-29B2-4E67-9749-0E5EB74A475B}" dt="2018-05-13T08:05:22.862" v="68" actId="1076"/>
+          <ac:picMkLst>
+            <pc:docMk/>
+            <pc:sldMk cId="417589620" sldId="277"/>
+            <ac:picMk id="4" creationId="{41F0DDA1-22F2-4857-88FB-1FC0F3F0AE3E}"/>
+          </ac:picMkLst>
+        </pc:picChg>
+        <pc:picChg chg="mod">
+          <ac:chgData name="Susmitha Y" userId="aa679c82c9f7716f" providerId="Windows Live" clId="Web-{058B36F6-29B2-4E67-9749-0E5EB74A475B}" dt="2018-05-13T08:03:01.032" v="65" actId="1076"/>
+          <ac:picMkLst>
+            <pc:docMk/>
+            <pc:sldMk cId="417589620" sldId="277"/>
+            <ac:picMk id="5" creationId="{60A2EE1C-707B-4AA4-8F35-9A871E39E659}"/>
+          </ac:picMkLst>
+        </pc:picChg>
+        <pc:picChg chg="del mod">
+          <ac:chgData name="Susmitha Y" userId="aa679c82c9f7716f" providerId="Windows Live" clId="Web-{058B36F6-29B2-4E67-9749-0E5EB74A475B}" dt="2018-05-13T07:57:16.121" v="20" actId="1076"/>
+          <ac:picMkLst>
+            <pc:docMk/>
+            <pc:sldMk cId="417589620" sldId="277"/>
+            <ac:picMk id="7" creationId="{AF9C3A62-D7CF-42F4-A035-EC3ED5C75812}"/>
+          </ac:picMkLst>
+        </pc:picChg>
+        <pc:picChg chg="add mod">
+          <ac:chgData name="Susmitha Y" userId="aa679c82c9f7716f" providerId="Windows Live" clId="Web-{058B36F6-29B2-4E67-9749-0E5EB74A475B}" dt="2018-05-13T08:03:16.532" v="67" actId="1076"/>
+          <ac:picMkLst>
+            <pc:docMk/>
+            <pc:sldMk cId="417589620" sldId="277"/>
+            <ac:picMk id="8" creationId="{B00ED3D9-6CBF-40AF-B8FB-0D2ABD39339F}"/>
+          </ac:picMkLst>
+        </pc:picChg>
+        <pc:picChg chg="del mod">
+          <ac:chgData name="Susmitha Y" userId="aa679c82c9f7716f" providerId="Windows Live" clId="Web-{058B36F6-29B2-4E67-9749-0E5EB74A475B}" dt="2018-05-13T08:00:03.717" v="44" actId="1076"/>
+          <ac:picMkLst>
+            <pc:docMk/>
+            <pc:sldMk cId="417589620" sldId="277"/>
+            <ac:picMk id="9" creationId="{7F5D775A-977D-400F-A88F-9E106E78CE8D}"/>
+          </ac:picMkLst>
+        </pc:picChg>
+        <pc:picChg chg="del">
+          <ac:chgData name="Susmitha Y" userId="aa679c82c9f7716f" providerId="Windows Live" clId="Web-{058B36F6-29B2-4E67-9749-0E5EB74A475B}" dt="2018-05-13T07:57:18.918" v="21" actId="1076"/>
+          <ac:picMkLst>
+            <pc:docMk/>
+            <pc:sldMk cId="417589620" sldId="277"/>
+            <ac:picMk id="11" creationId="{EB1A8268-9755-4AE8-8D85-682667689C78}"/>
+          </ac:picMkLst>
+        </pc:picChg>
+        <pc:picChg chg="add mod">
+          <ac:chgData name="Susmitha Y" userId="aa679c82c9f7716f" providerId="Windows Live" clId="Web-{058B36F6-29B2-4E67-9749-0E5EB74A475B}" dt="2018-05-13T08:05:48.865" v="71" actId="1076"/>
+          <ac:picMkLst>
+            <pc:docMk/>
+            <pc:sldMk cId="417589620" sldId="277"/>
+            <ac:picMk id="12" creationId="{1228FD47-5C13-46CB-9254-6CFFBED19361}"/>
+          </ac:picMkLst>
+        </pc:picChg>
+        <pc:picChg chg="add del mod">
+          <ac:chgData name="Susmitha Y" userId="aa679c82c9f7716f" providerId="Windows Live" clId="Web-{058B36F6-29B2-4E67-9749-0E5EB74A475B}" dt="2018-05-13T08:02:35.703" v="59" actId="1076"/>
+          <ac:picMkLst>
+            <pc:docMk/>
+            <pc:sldMk cId="417589620" sldId="277"/>
+            <ac:picMk id="14" creationId="{3940AC03-294F-41FC-BDE7-C505B3C347B2}"/>
+          </ac:picMkLst>
+        </pc:picChg>
+        <pc:picChg chg="add mod">
+          <ac:chgData name="Susmitha Y" userId="aa679c82c9f7716f" providerId="Windows Live" clId="Web-{058B36F6-29B2-4E67-9749-0E5EB74A475B}" dt="2018-05-13T08:03:12.423" v="66" actId="1076"/>
+          <ac:picMkLst>
+            <pc:docMk/>
+            <pc:sldMk cId="417589620" sldId="277"/>
+            <ac:picMk id="16" creationId="{CC17C190-318D-478A-9C3F-201FCD2EB6D0}"/>
+          </ac:picMkLst>
+        </pc:picChg>
+        <pc:picChg chg="add mod">
+          <ac:chgData name="Susmitha Y" userId="aa679c82c9f7716f" providerId="Windows Live" clId="Web-{058B36F6-29B2-4E67-9749-0E5EB74A475B}" dt="2018-05-13T08:05:30.706" v="70" actId="1076"/>
+          <ac:picMkLst>
+            <pc:docMk/>
+            <pc:sldMk cId="417589620" sldId="277"/>
+            <ac:picMk id="18" creationId="{94B0E18D-FDF5-4D81-AC3E-E7609CE08F2A}"/>
+          </ac:picMkLst>
+        </pc:picChg>
+        <pc:picChg chg="add mod">
+          <ac:chgData name="Susmitha Y" userId="aa679c82c9f7716f" providerId="Windows Live" clId="Web-{058B36F6-29B2-4E67-9749-0E5EB74A475B}" dt="2018-05-13T08:05:26.784" v="69" actId="1076"/>
+          <ac:picMkLst>
+            <pc:docMk/>
+            <pc:sldMk cId="417589620" sldId="277"/>
+            <ac:picMk id="20" creationId="{75FCAC2A-9800-4281-806D-FE52D9206B0B}"/>
+          </ac:picMkLst>
+        </pc:picChg>
+      </pc:sldChg>
+    </pc:docChg>
+  </pc:docChgLst>
+</pc:chgInfo>
 </file>
 
 <file path=ppt/slideLayouts/slideLayout1.xml><?xml version="1.0" encoding="utf-8"?>
@@ -308,7 +615,7 @@
           </a:lstStyle>
           <a:p>
             <a:r>
-              <a:rPr lang="en-US" smtClean="0"/>
+              <a:rPr lang="en-US"/>
               <a:t>Click to edit Master title style</a:t>
             </a:r>
             <a:endParaRPr lang="en-US" dirty="0"/>
@@ -427,7 +734,7 @@
           </a:lstStyle>
           <a:p>
             <a:r>
-              <a:rPr lang="en-US" smtClean="0"/>
+              <a:rPr lang="en-US"/>
               <a:t>Click to edit Master subtitle style</a:t>
             </a:r>
             <a:endParaRPr lang="en-US" dirty="0"/>
@@ -456,7 +763,7 @@
           <a:p>
             <a:fld id="{B6A24A51-C41D-48C5-9F39-5B3DECE66FE9}" type="datetimeFigureOut">
               <a:rPr lang="en-US" smtClean="0"/>
-              <a:t>5/7/2018</a:t>
+              <a:t>5/13/2018</a:t>
             </a:fld>
             <a:endParaRPr lang="en-US"/>
           </a:p>
@@ -601,7 +908,7 @@
           </a:lstStyle>
           <a:p>
             <a:r>
-              <a:rPr lang="en-US" smtClean="0"/>
+              <a:rPr lang="en-US"/>
               <a:t>Click to edit Master title style</a:t>
             </a:r>
             <a:endParaRPr lang="en-US" dirty="0"/>
@@ -689,7 +996,7 @@
           </a:lstStyle>
           <a:p>
             <a:r>
-              <a:rPr lang="en-US" smtClean="0"/>
+              <a:rPr lang="en-US"/>
               <a:t>Click icon to add picture</a:t>
             </a:r>
             <a:endParaRPr lang="en-US" dirty="0"/>
@@ -757,7 +1064,7 @@
           <a:p>
             <a:pPr lvl="0"/>
             <a:r>
-              <a:rPr lang="en-US" smtClean="0"/>
+              <a:rPr lang="en-US"/>
               <a:t>Click to edit Master text styles</a:t>
             </a:r>
           </a:p>
@@ -780,7 +1087,7 @@
           <a:p>
             <a:fld id="{B6A24A51-C41D-48C5-9F39-5B3DECE66FE9}" type="datetimeFigureOut">
               <a:rPr lang="en-US" smtClean="0"/>
-              <a:t>5/7/2018</a:t>
+              <a:t>5/13/2018</a:t>
             </a:fld>
             <a:endParaRPr lang="en-US"/>
           </a:p>
@@ -885,7 +1192,7 @@
           </a:lstStyle>
           <a:p>
             <a:r>
-              <a:rPr lang="en-US" smtClean="0"/>
+              <a:rPr lang="en-US"/>
               <a:t>Click to edit Master title style</a:t>
             </a:r>
             <a:endParaRPr lang="en-US" dirty="0"/>
@@ -1005,7 +1312,7 @@
           <a:p>
             <a:pPr lvl="0"/>
             <a:r>
-              <a:rPr lang="en-US" smtClean="0"/>
+              <a:rPr lang="en-US"/>
               <a:t>Click to edit Master text styles</a:t>
             </a:r>
           </a:p>
@@ -1028,7 +1335,7 @@
           <a:p>
             <a:fld id="{B6A24A51-C41D-48C5-9F39-5B3DECE66FE9}" type="datetimeFigureOut">
               <a:rPr lang="en-US" smtClean="0"/>
-              <a:t>5/7/2018</a:t>
+              <a:t>5/13/2018</a:t>
             </a:fld>
             <a:endParaRPr lang="en-US"/>
           </a:p>
@@ -1168,7 +1475,7 @@
           </a:lstStyle>
           <a:p>
             <a:r>
-              <a:rPr lang="en-US" smtClean="0"/>
+              <a:rPr lang="en-US"/>
               <a:t>Click to edit Master title style</a:t>
             </a:r>
             <a:endParaRPr lang="en-US" dirty="0"/>
@@ -1225,7 +1532,7 @@
           <a:p>
             <a:pPr lvl="0"/>
             <a:r>
-              <a:rPr lang="en-US" smtClean="0"/>
+              <a:rPr lang="en-US"/>
               <a:t>Click to edit Master text styles</a:t>
             </a:r>
           </a:p>
@@ -1344,7 +1651,7 @@
           <a:p>
             <a:pPr lvl="0"/>
             <a:r>
-              <a:rPr lang="en-US" smtClean="0"/>
+              <a:rPr lang="en-US"/>
               <a:t>Click to edit Master text styles</a:t>
             </a:r>
           </a:p>
@@ -1367,7 +1674,7 @@
           <a:p>
             <a:fld id="{B6A24A51-C41D-48C5-9F39-5B3DECE66FE9}" type="datetimeFigureOut">
               <a:rPr lang="en-US" smtClean="0"/>
-              <a:t>5/7/2018</a:t>
+              <a:t>5/13/2018</a:t>
             </a:fld>
             <a:endParaRPr lang="en-US"/>
           </a:p>
@@ -1571,7 +1878,7 @@
           </a:lstStyle>
           <a:p>
             <a:r>
-              <a:rPr lang="en-US" smtClean="0"/>
+              <a:rPr lang="en-US"/>
               <a:t>Click to edit Master title style</a:t>
             </a:r>
             <a:endParaRPr lang="en-US" dirty="0"/>
@@ -1691,7 +1998,7 @@
           <a:p>
             <a:pPr lvl="0"/>
             <a:r>
-              <a:rPr lang="en-US" smtClean="0"/>
+              <a:rPr lang="en-US"/>
               <a:t>Click to edit Master text styles</a:t>
             </a:r>
           </a:p>
@@ -1714,7 +2021,7 @@
           <a:p>
             <a:fld id="{B6A24A51-C41D-48C5-9F39-5B3DECE66FE9}" type="datetimeFigureOut">
               <a:rPr lang="en-US" smtClean="0"/>
-              <a:t>5/7/2018</a:t>
+              <a:t>5/13/2018</a:t>
             </a:fld>
             <a:endParaRPr lang="en-US"/>
           </a:p>
@@ -1823,7 +2130,7 @@
           </a:lstStyle>
           <a:p>
             <a:r>
-              <a:rPr lang="en-US" smtClean="0"/>
+              <a:rPr lang="en-US"/>
               <a:t>Click to edit Master title style</a:t>
             </a:r>
             <a:endParaRPr lang="en-US" dirty="0"/>
@@ -1946,7 +2253,7 @@
           <a:p>
             <a:pPr lvl="0"/>
             <a:r>
-              <a:rPr lang="en-US" smtClean="0"/>
+              <a:rPr lang="en-US"/>
               <a:t>Click to edit Master text styles</a:t>
             </a:r>
           </a:p>
@@ -2065,7 +2372,7 @@
           <a:p>
             <a:pPr lvl="0"/>
             <a:r>
-              <a:rPr lang="en-US" smtClean="0"/>
+              <a:rPr lang="en-US"/>
               <a:t>Click to edit Master text styles</a:t>
             </a:r>
           </a:p>
@@ -2088,7 +2395,7 @@
           <a:p>
             <a:fld id="{B6A24A51-C41D-48C5-9F39-5B3DECE66FE9}" type="datetimeFigureOut">
               <a:rPr lang="en-US" smtClean="0"/>
-              <a:t>5/7/2018</a:t>
+              <a:t>5/13/2018</a:t>
             </a:fld>
             <a:endParaRPr lang="en-US"/>
           </a:p>
@@ -2293,7 +2600,7 @@
           <a:p>
             <a:pPr marL="0" lvl="0"/>
             <a:r>
-              <a:rPr lang="en-US" smtClean="0"/>
+              <a:rPr lang="en-US"/>
               <a:t>Click to edit Master title style</a:t>
             </a:r>
             <a:endParaRPr lang="en-US" dirty="0"/>
@@ -2416,7 +2723,7 @@
           <a:p>
             <a:pPr lvl="0"/>
             <a:r>
-              <a:rPr lang="en-US" smtClean="0"/>
+              <a:rPr lang="en-US"/>
               <a:t>Click to edit Master text styles</a:t>
             </a:r>
           </a:p>
@@ -2535,7 +2842,7 @@
           <a:p>
             <a:pPr lvl="0"/>
             <a:r>
-              <a:rPr lang="en-US" smtClean="0"/>
+              <a:rPr lang="en-US"/>
               <a:t>Click to edit Master text styles</a:t>
             </a:r>
           </a:p>
@@ -2558,7 +2865,7 @@
           <a:p>
             <a:fld id="{B6A24A51-C41D-48C5-9F39-5B3DECE66FE9}" type="datetimeFigureOut">
               <a:rPr lang="en-US" smtClean="0"/>
-              <a:t>5/7/2018</a:t>
+              <a:t>5/13/2018</a:t>
             </a:fld>
             <a:endParaRPr lang="en-US"/>
           </a:p>
@@ -2687,7 +2994,7 @@
           </a:lstStyle>
           <a:p>
             <a:r>
-              <a:rPr lang="en-US" smtClean="0"/>
+              <a:rPr lang="en-US"/>
               <a:t>Click to edit Master title style</a:t>
             </a:r>
             <a:endParaRPr lang="en-US" dirty="0"/>
@@ -2711,35 +3018,35 @@
           <a:p>
             <a:pPr lvl="0"/>
             <a:r>
-              <a:rPr lang="en-US" smtClean="0"/>
+              <a:rPr lang="en-US"/>
               <a:t>Click to edit Master text styles</a:t>
             </a:r>
           </a:p>
           <a:p>
             <a:pPr lvl="1"/>
             <a:r>
-              <a:rPr lang="en-US" smtClean="0"/>
+              <a:rPr lang="en-US"/>
               <a:t>Second level</a:t>
             </a:r>
           </a:p>
           <a:p>
             <a:pPr lvl="2"/>
             <a:r>
-              <a:rPr lang="en-US" smtClean="0"/>
+              <a:rPr lang="en-US"/>
               <a:t>Third level</a:t>
             </a:r>
           </a:p>
           <a:p>
             <a:pPr lvl="3"/>
             <a:r>
-              <a:rPr lang="en-US" smtClean="0"/>
+              <a:rPr lang="en-US"/>
               <a:t>Fourth level</a:t>
             </a:r>
           </a:p>
           <a:p>
             <a:pPr lvl="4"/>
             <a:r>
-              <a:rPr lang="en-US" smtClean="0"/>
+              <a:rPr lang="en-US"/>
               <a:t>Fifth level</a:t>
             </a:r>
             <a:endParaRPr lang="en-US" dirty="0"/>
@@ -2763,7 +3070,7 @@
           <a:p>
             <a:fld id="{B6A24A51-C41D-48C5-9F39-5B3DECE66FE9}" type="datetimeFigureOut">
               <a:rPr lang="en-US" smtClean="0"/>
-              <a:t>5/7/2018</a:t>
+              <a:t>5/13/2018</a:t>
             </a:fld>
             <a:endParaRPr lang="en-US"/>
           </a:p>
@@ -2893,7 +3200,7 @@
           <a:lstStyle/>
           <a:p>
             <a:r>
-              <a:rPr lang="en-US" smtClean="0"/>
+              <a:rPr lang="en-US"/>
               <a:t>Click to edit Master title style</a:t>
             </a:r>
             <a:endParaRPr lang="en-US" dirty="0"/>
@@ -2922,35 +3229,35 @@
           <a:p>
             <a:pPr lvl="0"/>
             <a:r>
-              <a:rPr lang="en-US" smtClean="0"/>
+              <a:rPr lang="en-US"/>
               <a:t>Click to edit Master text styles</a:t>
             </a:r>
           </a:p>
           <a:p>
             <a:pPr lvl="1"/>
             <a:r>
-              <a:rPr lang="en-US" smtClean="0"/>
+              <a:rPr lang="en-US"/>
               <a:t>Second level</a:t>
             </a:r>
           </a:p>
           <a:p>
             <a:pPr lvl="2"/>
             <a:r>
-              <a:rPr lang="en-US" smtClean="0"/>
+              <a:rPr lang="en-US"/>
               <a:t>Third level</a:t>
             </a:r>
           </a:p>
           <a:p>
             <a:pPr lvl="3"/>
             <a:r>
-              <a:rPr lang="en-US" smtClean="0"/>
+              <a:rPr lang="en-US"/>
               <a:t>Fourth level</a:t>
             </a:r>
           </a:p>
           <a:p>
             <a:pPr lvl="4"/>
             <a:r>
-              <a:rPr lang="en-US" smtClean="0"/>
+              <a:rPr lang="en-US"/>
               <a:t>Fifth level</a:t>
             </a:r>
             <a:endParaRPr lang="en-US" dirty="0"/>
@@ -2974,7 +3281,7 @@
           <a:p>
             <a:fld id="{B6A24A51-C41D-48C5-9F39-5B3DECE66FE9}" type="datetimeFigureOut">
               <a:rPr lang="en-US" smtClean="0"/>
-              <a:t>5/7/2018</a:t>
+              <a:t>5/13/2018</a:t>
             </a:fld>
             <a:endParaRPr lang="en-US"/>
           </a:p>
@@ -3130,7 +3437,7 @@
           <a:lstStyle/>
           <a:p>
             <a:r>
-              <a:rPr lang="en-US" smtClean="0"/>
+              <a:rPr lang="en-US"/>
               <a:t>Click to edit Master title style</a:t>
             </a:r>
             <a:endParaRPr lang="en-US" dirty="0"/>
@@ -3154,35 +3461,35 @@
           <a:p>
             <a:pPr lvl="0"/>
             <a:r>
-              <a:rPr lang="en-US" smtClean="0"/>
+              <a:rPr lang="en-US"/>
               <a:t>Click to edit Master text styles</a:t>
             </a:r>
           </a:p>
           <a:p>
             <a:pPr lvl="1"/>
             <a:r>
-              <a:rPr lang="en-US" smtClean="0"/>
+              <a:rPr lang="en-US"/>
               <a:t>Second level</a:t>
             </a:r>
           </a:p>
           <a:p>
             <a:pPr lvl="2"/>
             <a:r>
-              <a:rPr lang="en-US" smtClean="0"/>
+              <a:rPr lang="en-US"/>
               <a:t>Third level</a:t>
             </a:r>
           </a:p>
           <a:p>
             <a:pPr lvl="3"/>
             <a:r>
-              <a:rPr lang="en-US" smtClean="0"/>
+              <a:rPr lang="en-US"/>
               <a:t>Fourth level</a:t>
             </a:r>
           </a:p>
           <a:p>
             <a:pPr lvl="4"/>
             <a:r>
-              <a:rPr lang="en-US" smtClean="0"/>
+              <a:rPr lang="en-US"/>
               <a:t>Fifth level</a:t>
             </a:r>
             <a:endParaRPr lang="en-US" dirty="0"/>
@@ -3206,7 +3513,7 @@
           <a:p>
             <a:fld id="{B6A24A51-C41D-48C5-9F39-5B3DECE66FE9}" type="datetimeFigureOut">
               <a:rPr lang="en-US" smtClean="0"/>
-              <a:t>5/7/2018</a:t>
+              <a:t>5/13/2018</a:t>
             </a:fld>
             <a:endParaRPr lang="en-US"/>
           </a:p>
@@ -3264,13 +3571,6 @@
   <p:clrMapOvr>
     <a:masterClrMapping/>
   </p:clrMapOvr>
-  <p:timing>
-    <p:tnLst>
-      <p:par>
-        <p:cTn id="1" dur="indefinite" restart="never" nodeType="tmRoot"/>
-      </p:par>
-    </p:tnLst>
-  </p:timing>
 </p:sldLayout>
 </file>
 
@@ -3318,7 +3618,7 @@
           </a:lstStyle>
           <a:p>
             <a:r>
-              <a:rPr lang="en-US" smtClean="0"/>
+              <a:rPr lang="en-US"/>
               <a:t>Click to edit Master title style</a:t>
             </a:r>
             <a:endParaRPr lang="en-US" dirty="0"/>
@@ -3438,7 +3738,7 @@
           <a:p>
             <a:pPr lvl="0"/>
             <a:r>
-              <a:rPr lang="en-US" smtClean="0"/>
+              <a:rPr lang="en-US"/>
               <a:t>Click to edit Master text styles</a:t>
             </a:r>
           </a:p>
@@ -3461,7 +3761,7 @@
           <a:p>
             <a:fld id="{B6A24A51-C41D-48C5-9F39-5B3DECE66FE9}" type="datetimeFigureOut">
               <a:rPr lang="en-US" smtClean="0"/>
-              <a:t>5/7/2018</a:t>
+              <a:t>5/13/2018</a:t>
             </a:fld>
             <a:endParaRPr lang="en-US"/>
           </a:p>
@@ -3617,7 +3917,7 @@
           <a:lstStyle/>
           <a:p>
             <a:r>
-              <a:rPr lang="en-US" smtClean="0"/>
+              <a:rPr lang="en-US"/>
               <a:t>Click to edit Master title style</a:t>
             </a:r>
             <a:endParaRPr lang="en-US" dirty="0"/>
@@ -3648,35 +3948,35 @@
           <a:p>
             <a:pPr lvl="0"/>
             <a:r>
-              <a:rPr lang="en-US" smtClean="0"/>
+              <a:rPr lang="en-US"/>
               <a:t>Click to edit Master text styles</a:t>
             </a:r>
           </a:p>
           <a:p>
             <a:pPr lvl="1"/>
             <a:r>
-              <a:rPr lang="en-US" smtClean="0"/>
+              <a:rPr lang="en-US"/>
               <a:t>Second level</a:t>
             </a:r>
           </a:p>
           <a:p>
             <a:pPr lvl="2"/>
             <a:r>
-              <a:rPr lang="en-US" smtClean="0"/>
+              <a:rPr lang="en-US"/>
               <a:t>Third level</a:t>
             </a:r>
           </a:p>
           <a:p>
             <a:pPr lvl="3"/>
             <a:r>
-              <a:rPr lang="en-US" smtClean="0"/>
+              <a:rPr lang="en-US"/>
               <a:t>Fourth level</a:t>
             </a:r>
           </a:p>
           <a:p>
             <a:pPr lvl="4"/>
             <a:r>
-              <a:rPr lang="en-US" smtClean="0"/>
+              <a:rPr lang="en-US"/>
               <a:t>Fifth level</a:t>
             </a:r>
             <a:endParaRPr lang="en-US" dirty="0"/>
@@ -3707,35 +4007,35 @@
           <a:p>
             <a:pPr lvl="0"/>
             <a:r>
-              <a:rPr lang="en-US" smtClean="0"/>
+              <a:rPr lang="en-US"/>
               <a:t>Click to edit Master text styles</a:t>
             </a:r>
           </a:p>
           <a:p>
             <a:pPr lvl="1"/>
             <a:r>
-              <a:rPr lang="en-US" smtClean="0"/>
+              <a:rPr lang="en-US"/>
               <a:t>Second level</a:t>
             </a:r>
           </a:p>
           <a:p>
             <a:pPr lvl="2"/>
             <a:r>
-              <a:rPr lang="en-US" smtClean="0"/>
+              <a:rPr lang="en-US"/>
               <a:t>Third level</a:t>
             </a:r>
           </a:p>
           <a:p>
             <a:pPr lvl="3"/>
             <a:r>
-              <a:rPr lang="en-US" smtClean="0"/>
+              <a:rPr lang="en-US"/>
               <a:t>Fourth level</a:t>
             </a:r>
           </a:p>
           <a:p>
             <a:pPr lvl="4"/>
             <a:r>
-              <a:rPr lang="en-US" smtClean="0"/>
+              <a:rPr lang="en-US"/>
               <a:t>Fifth level</a:t>
             </a:r>
             <a:endParaRPr lang="en-US" dirty="0"/>
@@ -3759,7 +4059,7 @@
           <a:p>
             <a:fld id="{B6A24A51-C41D-48C5-9F39-5B3DECE66FE9}" type="datetimeFigureOut">
               <a:rPr lang="en-US" smtClean="0"/>
-              <a:t>5/7/2018</a:t>
+              <a:t>5/13/2018</a:t>
             </a:fld>
             <a:endParaRPr lang="en-US"/>
           </a:p>
@@ -3857,7 +4157,7 @@
           </a:lstStyle>
           <a:p>
             <a:r>
-              <a:rPr lang="en-US" smtClean="0"/>
+              <a:rPr lang="en-US"/>
               <a:t>Click to edit Master title style</a:t>
             </a:r>
             <a:endParaRPr lang="en-US" dirty="0"/>
@@ -3935,7 +4235,7 @@
           <a:p>
             <a:pPr lvl="0"/>
             <a:r>
-              <a:rPr lang="en-US" smtClean="0"/>
+              <a:rPr lang="en-US"/>
               <a:t>Click to edit Master text styles</a:t>
             </a:r>
           </a:p>
@@ -3965,35 +4265,35 @@
           <a:p>
             <a:pPr lvl="0"/>
             <a:r>
-              <a:rPr lang="en-US" smtClean="0"/>
+              <a:rPr lang="en-US"/>
               <a:t>Click to edit Master text styles</a:t>
             </a:r>
           </a:p>
           <a:p>
             <a:pPr lvl="1"/>
             <a:r>
-              <a:rPr lang="en-US" smtClean="0"/>
+              <a:rPr lang="en-US"/>
               <a:t>Second level</a:t>
             </a:r>
           </a:p>
           <a:p>
             <a:pPr lvl="2"/>
             <a:r>
-              <a:rPr lang="en-US" smtClean="0"/>
+              <a:rPr lang="en-US"/>
               <a:t>Third level</a:t>
             </a:r>
           </a:p>
           <a:p>
             <a:pPr lvl="3"/>
             <a:r>
-              <a:rPr lang="en-US" smtClean="0"/>
+              <a:rPr lang="en-US"/>
               <a:t>Fourth level</a:t>
             </a:r>
           </a:p>
           <a:p>
             <a:pPr lvl="4"/>
             <a:r>
-              <a:rPr lang="en-US" smtClean="0"/>
+              <a:rPr lang="en-US"/>
               <a:t>Fifth level</a:t>
             </a:r>
             <a:endParaRPr lang="en-US" dirty="0"/>
@@ -4071,7 +4371,7 @@
           <a:p>
             <a:pPr lvl="0"/>
             <a:r>
-              <a:rPr lang="en-US" smtClean="0"/>
+              <a:rPr lang="en-US"/>
               <a:t>Click to edit Master text styles</a:t>
             </a:r>
           </a:p>
@@ -4101,35 +4401,35 @@
           <a:p>
             <a:pPr lvl="0"/>
             <a:r>
-              <a:rPr lang="en-US" smtClean="0"/>
+              <a:rPr lang="en-US"/>
               <a:t>Click to edit Master text styles</a:t>
             </a:r>
           </a:p>
           <a:p>
             <a:pPr lvl="1"/>
             <a:r>
-              <a:rPr lang="en-US" smtClean="0"/>
+              <a:rPr lang="en-US"/>
               <a:t>Second level</a:t>
             </a:r>
           </a:p>
           <a:p>
             <a:pPr lvl="2"/>
             <a:r>
-              <a:rPr lang="en-US" smtClean="0"/>
+              <a:rPr lang="en-US"/>
               <a:t>Third level</a:t>
             </a:r>
           </a:p>
           <a:p>
             <a:pPr lvl="3"/>
             <a:r>
-              <a:rPr lang="en-US" smtClean="0"/>
+              <a:rPr lang="en-US"/>
               <a:t>Fourth level</a:t>
             </a:r>
           </a:p>
           <a:p>
             <a:pPr lvl="4"/>
             <a:r>
-              <a:rPr lang="en-US" smtClean="0"/>
+              <a:rPr lang="en-US"/>
               <a:t>Fifth level</a:t>
             </a:r>
             <a:endParaRPr lang="en-US" dirty="0"/>
@@ -4153,7 +4453,7 @@
           <a:p>
             <a:fld id="{B6A24A51-C41D-48C5-9F39-5B3DECE66FE9}" type="datetimeFigureOut">
               <a:rPr lang="en-US" smtClean="0"/>
-              <a:t>5/7/2018</a:t>
+              <a:t>5/13/2018</a:t>
             </a:fld>
             <a:endParaRPr lang="en-US"/>
           </a:p>
@@ -4278,7 +4578,7 @@
           <a:lstStyle/>
           <a:p>
             <a:r>
-              <a:rPr lang="en-US" smtClean="0"/>
+              <a:rPr lang="en-US"/>
               <a:t>Click to edit Master title style</a:t>
             </a:r>
             <a:endParaRPr lang="en-US" dirty="0"/>
@@ -4302,7 +4602,7 @@
           <a:p>
             <a:fld id="{B6A24A51-C41D-48C5-9F39-5B3DECE66FE9}" type="datetimeFigureOut">
               <a:rPr lang="en-US" smtClean="0"/>
-              <a:t>5/7/2018</a:t>
+              <a:t>5/13/2018</a:t>
             </a:fld>
             <a:endParaRPr lang="en-US"/>
           </a:p>
@@ -4428,7 +4728,7 @@
           <a:p>
             <a:fld id="{B6A24A51-C41D-48C5-9F39-5B3DECE66FE9}" type="datetimeFigureOut">
               <a:rPr lang="en-US" smtClean="0"/>
-              <a:t>5/7/2018</a:t>
+              <a:t>5/13/2018</a:t>
             </a:fld>
             <a:endParaRPr lang="en-US"/>
           </a:p>
@@ -4533,7 +4833,7 @@
           </a:lstStyle>
           <a:p>
             <a:r>
-              <a:rPr lang="en-US" smtClean="0"/>
+              <a:rPr lang="en-US"/>
               <a:t>Click to edit Master title style</a:t>
             </a:r>
             <a:endParaRPr lang="en-US" dirty="0"/>
@@ -4564,35 +4864,35 @@
           <a:p>
             <a:pPr lvl="0"/>
             <a:r>
-              <a:rPr lang="en-US" smtClean="0"/>
+              <a:rPr lang="en-US"/>
               <a:t>Click to edit Master text styles</a:t>
             </a:r>
           </a:p>
           <a:p>
             <a:pPr lvl="1"/>
             <a:r>
-              <a:rPr lang="en-US" smtClean="0"/>
+              <a:rPr lang="en-US"/>
               <a:t>Second level</a:t>
             </a:r>
           </a:p>
           <a:p>
             <a:pPr lvl="2"/>
             <a:r>
-              <a:rPr lang="en-US" smtClean="0"/>
+              <a:rPr lang="en-US"/>
               <a:t>Third level</a:t>
             </a:r>
           </a:p>
           <a:p>
             <a:pPr lvl="3"/>
             <a:r>
-              <a:rPr lang="en-US" smtClean="0"/>
+              <a:rPr lang="en-US"/>
               <a:t>Fourth level</a:t>
             </a:r>
           </a:p>
           <a:p>
             <a:pPr lvl="4"/>
             <a:r>
-              <a:rPr lang="en-US" smtClean="0"/>
+              <a:rPr lang="en-US"/>
               <a:t>Fifth level</a:t>
             </a:r>
             <a:endParaRPr lang="en-US" dirty="0"/>
@@ -4660,7 +4960,7 @@
           <a:p>
             <a:pPr lvl="0"/>
             <a:r>
-              <a:rPr lang="en-US" smtClean="0"/>
+              <a:rPr lang="en-US"/>
               <a:t>Click to edit Master text styles</a:t>
             </a:r>
           </a:p>
@@ -4683,7 +4983,7 @@
           <a:p>
             <a:fld id="{B6A24A51-C41D-48C5-9F39-5B3DECE66FE9}" type="datetimeFigureOut">
               <a:rPr lang="en-US" smtClean="0"/>
-              <a:t>5/7/2018</a:t>
+              <a:t>5/13/2018</a:t>
             </a:fld>
             <a:endParaRPr lang="en-US"/>
           </a:p>
@@ -4819,7 +5119,7 @@
           </a:lstStyle>
           <a:p>
             <a:r>
-              <a:rPr lang="en-US" smtClean="0"/>
+              <a:rPr lang="en-US"/>
               <a:t>Click to edit Master title style</a:t>
             </a:r>
             <a:endParaRPr lang="en-US" dirty="0"/>
@@ -4907,7 +5207,7 @@
           </a:lstStyle>
           <a:p>
             <a:r>
-              <a:rPr lang="en-US" smtClean="0"/>
+              <a:rPr lang="en-US"/>
               <a:t>Click icon to add picture</a:t>
             </a:r>
             <a:endParaRPr lang="en-US" dirty="0"/>
@@ -4975,7 +5275,7 @@
           <a:p>
             <a:pPr lvl="0"/>
             <a:r>
-              <a:rPr lang="en-US" smtClean="0"/>
+              <a:rPr lang="en-US"/>
               <a:t>Click to edit Master text styles</a:t>
             </a:r>
           </a:p>
@@ -4998,7 +5298,7 @@
           <a:p>
             <a:fld id="{B6A24A51-C41D-48C5-9F39-5B3DECE66FE9}" type="datetimeFigureOut">
               <a:rPr lang="en-US" smtClean="0"/>
-              <a:t>5/7/2018</a:t>
+              <a:t>5/13/2018</a:t>
             </a:fld>
             <a:endParaRPr lang="en-US"/>
           </a:p>
@@ -5245,7 +5545,7 @@
           <a:lstStyle/>
           <a:p>
             <a:r>
-              <a:rPr lang="en-US" smtClean="0"/>
+              <a:rPr lang="en-US"/>
               <a:t>Click to edit Master title style</a:t>
             </a:r>
             <a:endParaRPr lang="en-US" dirty="0"/>
@@ -5279,35 +5579,35 @@
           <a:p>
             <a:pPr lvl="0"/>
             <a:r>
-              <a:rPr lang="en-US" smtClean="0"/>
+              <a:rPr lang="en-US"/>
               <a:t>Click to edit Master text styles</a:t>
             </a:r>
           </a:p>
           <a:p>
             <a:pPr lvl="1"/>
             <a:r>
-              <a:rPr lang="en-US" smtClean="0"/>
+              <a:rPr lang="en-US"/>
               <a:t>Second level</a:t>
             </a:r>
           </a:p>
           <a:p>
             <a:pPr lvl="2"/>
             <a:r>
-              <a:rPr lang="en-US" smtClean="0"/>
+              <a:rPr lang="en-US"/>
               <a:t>Third level</a:t>
             </a:r>
           </a:p>
           <a:p>
             <a:pPr lvl="3"/>
             <a:r>
-              <a:rPr lang="en-US" smtClean="0"/>
+              <a:rPr lang="en-US"/>
               <a:t>Fourth level</a:t>
             </a:r>
           </a:p>
           <a:p>
             <a:pPr lvl="4"/>
             <a:r>
-              <a:rPr lang="en-US" smtClean="0"/>
+              <a:rPr lang="en-US"/>
               <a:t>Fifth level</a:t>
             </a:r>
             <a:endParaRPr lang="en-US" dirty="0"/>
@@ -5349,7 +5649,7 @@
           <a:p>
             <a:fld id="{B6A24A51-C41D-48C5-9F39-5B3DECE66FE9}" type="datetimeFigureOut">
               <a:rPr lang="en-US" smtClean="0"/>
-              <a:t>5/7/2018</a:t>
+              <a:t>5/13/2018</a:t>
             </a:fld>
             <a:endParaRPr lang="en-US"/>
           </a:p>
@@ -5935,13 +6235,6 @@
   <p:transition spd="slow">
     <p:wipe/>
   </p:transition>
-  <p:timing>
-    <p:tnLst>
-      <p:par>
-        <p:cTn id="1" dur="indefinite" restart="never" nodeType="tmRoot"/>
-      </p:par>
-    </p:tnLst>
-  </p:timing>
 </p:sld>
 </file>
 
@@ -5986,16 +6279,15 @@
           <a:p>
             <a:pPr algn="l"/>
             <a:r>
-              <a:rPr lang="en-US" b="1" dirty="0" smtClean="0"/>
-              <a:t>Functional and Class Components</a:t>
-            </a:r>
-            <a:endParaRPr lang="en-US" b="1" dirty="0"/>
+              <a:rPr lang="en-US" b="1" dirty="0"/>
+              <a:t>Rendering Elements</a:t>
+            </a:r>
           </a:p>
         </p:txBody>
       </p:sp>
       <p:pic>
         <p:nvPicPr>
-          <p:cNvPr id="5" name="Picture 4"/>
+          <p:cNvPr id="4" name="Picture 3"/>
           <p:cNvPicPr>
             <a:picLocks noChangeAspect="1"/>
           </p:cNvPicPr>
@@ -6009,32 +6301,8 @@
         </p:blipFill>
         <p:spPr>
           <a:xfrm>
-            <a:off x="1652586" y="2357437"/>
-            <a:ext cx="8658225" cy="942975"/>
-          </a:xfrm>
-          <a:prstGeom prst="rect">
-            <a:avLst/>
-          </a:prstGeom>
-        </p:spPr>
-      </p:pic>
-      <p:pic>
-        <p:nvPicPr>
-          <p:cNvPr id="6" name="Picture 5"/>
-          <p:cNvPicPr>
-            <a:picLocks noChangeAspect="1"/>
-          </p:cNvPicPr>
-          <p:nvPr/>
-        </p:nvPicPr>
-        <p:blipFill>
-          <a:blip r:embed="rId3"/>
-          <a:stretch>
-            <a:fillRect/>
-          </a:stretch>
-        </p:blipFill>
-        <p:spPr>
-          <a:xfrm>
-            <a:off x="1671637" y="3752850"/>
-            <a:ext cx="8620125" cy="1314450"/>
+            <a:off x="2876550" y="1685925"/>
+            <a:ext cx="6370320" cy="4488180"/>
           </a:xfrm>
           <a:prstGeom prst="rect">
             <a:avLst/>
@@ -6044,20 +6312,13 @@
     </p:spTree>
     <p:extLst>
       <p:ext uri="{BB962C8B-B14F-4D97-AF65-F5344CB8AC3E}">
-        <p14:creationId xmlns:p14="http://schemas.microsoft.com/office/powerpoint/2010/main" val="1071003956"/>
+        <p14:creationId xmlns:p14="http://schemas.microsoft.com/office/powerpoint/2010/main" val="104410108"/>
       </p:ext>
     </p:extLst>
   </p:cSld>
   <p:clrMapOvr>
     <a:masterClrMapping/>
   </p:clrMapOvr>
-  <p:timing>
-    <p:tnLst>
-      <p:par>
-        <p:cTn id="1" dur="indefinite" restart="never" nodeType="tmRoot"/>
-      </p:par>
-    </p:tnLst>
-  </p:timing>
 </p:sld>
 </file>
 
@@ -6102,16 +6363,15 @@
           <a:p>
             <a:pPr algn="l"/>
             <a:r>
-              <a:rPr lang="en-US" b="1" dirty="0" smtClean="0"/>
-              <a:t>What is Props?</a:t>
-            </a:r>
-            <a:endParaRPr lang="en-US" b="1" dirty="0"/>
+              <a:rPr lang="en-US" b="1" dirty="0"/>
+              <a:t>Functional and Class Components</a:t>
+            </a:r>
           </a:p>
         </p:txBody>
       </p:sp>
       <p:pic>
         <p:nvPicPr>
-          <p:cNvPr id="7" name="Picture 6"/>
+          <p:cNvPr id="5" name="Picture 4"/>
           <p:cNvPicPr>
             <a:picLocks noChangeAspect="1"/>
           </p:cNvPicPr>
@@ -6125,7 +6385,7 @@
         </p:blipFill>
         <p:spPr>
           <a:xfrm>
-            <a:off x="1614486" y="1905000"/>
+            <a:off x="1652586" y="2357437"/>
             <a:ext cx="8658225" cy="942975"/>
           </a:xfrm>
           <a:prstGeom prst="rect">
@@ -6135,7 +6395,7 @@
       </p:pic>
       <p:pic>
         <p:nvPicPr>
-          <p:cNvPr id="3" name="Picture 2"/>
+          <p:cNvPr id="6" name="Picture 5"/>
           <p:cNvPicPr>
             <a:picLocks noChangeAspect="1"/>
           </p:cNvPicPr>
@@ -6149,8 +6409,8 @@
         </p:blipFill>
         <p:spPr>
           <a:xfrm>
-            <a:off x="1652586" y="3208337"/>
-            <a:ext cx="8620125" cy="2276475"/>
+            <a:off x="1671637" y="3752850"/>
+            <a:ext cx="8620125" cy="1314450"/>
           </a:xfrm>
           <a:prstGeom prst="rect">
             <a:avLst/>
@@ -6160,20 +6420,13 @@
     </p:spTree>
     <p:extLst>
       <p:ext uri="{BB962C8B-B14F-4D97-AF65-F5344CB8AC3E}">
-        <p14:creationId xmlns:p14="http://schemas.microsoft.com/office/powerpoint/2010/main" val="3990792613"/>
+        <p14:creationId xmlns:p14="http://schemas.microsoft.com/office/powerpoint/2010/main" val="1071003956"/>
       </p:ext>
     </p:extLst>
   </p:cSld>
   <p:clrMapOvr>
     <a:masterClrMapping/>
   </p:clrMapOvr>
-  <p:timing>
-    <p:tnLst>
-      <p:par>
-        <p:cTn id="1" dur="indefinite" restart="never" nodeType="tmRoot"/>
-      </p:par>
-    </p:tnLst>
-  </p:timing>
 </p:sld>
 </file>
 
@@ -6218,16 +6471,15 @@
           <a:p>
             <a:pPr algn="l"/>
             <a:r>
-              <a:rPr lang="en-US" b="1" dirty="0" smtClean="0"/>
-              <a:t>What is State?</a:t>
-            </a:r>
-            <a:endParaRPr lang="en-US" b="1" dirty="0"/>
+              <a:rPr lang="en-US" b="1" dirty="0"/>
+              <a:t>What is Props?</a:t>
+            </a:r>
           </a:p>
         </p:txBody>
       </p:sp>
       <p:pic>
         <p:nvPicPr>
-          <p:cNvPr id="5" name="Picture 4"/>
+          <p:cNvPr id="7" name="Picture 6"/>
           <p:cNvPicPr>
             <a:picLocks noChangeAspect="1"/>
           </p:cNvPicPr>
@@ -6241,8 +6493,32 @@
         </p:blipFill>
         <p:spPr>
           <a:xfrm>
-            <a:off x="1619250" y="1676400"/>
-            <a:ext cx="8591550" cy="4210050"/>
+            <a:off x="1614486" y="1905000"/>
+            <a:ext cx="8658225" cy="942975"/>
+          </a:xfrm>
+          <a:prstGeom prst="rect">
+            <a:avLst/>
+          </a:prstGeom>
+        </p:spPr>
+      </p:pic>
+      <p:pic>
+        <p:nvPicPr>
+          <p:cNvPr id="3" name="Picture 2"/>
+          <p:cNvPicPr>
+            <a:picLocks noChangeAspect="1"/>
+          </p:cNvPicPr>
+          <p:nvPr/>
+        </p:nvPicPr>
+        <p:blipFill>
+          <a:blip r:embed="rId3"/>
+          <a:stretch>
+            <a:fillRect/>
+          </a:stretch>
+        </p:blipFill>
+        <p:spPr>
+          <a:xfrm>
+            <a:off x="1652586" y="3208337"/>
+            <a:ext cx="8620125" cy="2276475"/>
           </a:xfrm>
           <a:prstGeom prst="rect">
             <a:avLst/>
@@ -6252,20 +6528,13 @@
     </p:spTree>
     <p:extLst>
       <p:ext uri="{BB962C8B-B14F-4D97-AF65-F5344CB8AC3E}">
-        <p14:creationId xmlns:p14="http://schemas.microsoft.com/office/powerpoint/2010/main" val="2933980262"/>
+        <p14:creationId xmlns:p14="http://schemas.microsoft.com/office/powerpoint/2010/main" val="3990792613"/>
       </p:ext>
     </p:extLst>
   </p:cSld>
   <p:clrMapOvr>
     <a:masterClrMapping/>
   </p:clrMapOvr>
-  <p:timing>
-    <p:tnLst>
-      <p:par>
-        <p:cTn id="1" dur="indefinite" restart="never" nodeType="tmRoot"/>
-      </p:par>
-    </p:tnLst>
-  </p:timing>
 </p:sld>
 </file>
 
@@ -6293,40 +6562,123 @@
             <a:spLocks noGrp="1"/>
           </p:cNvSpPr>
           <p:nvPr>
-            <p:ph type="title"/>
-          </p:nvPr>
-        </p:nvSpPr>
-        <p:spPr/>
-        <p:txBody>
-          <a:bodyPr/>
-          <a:lstStyle/>
-          <a:p>
-            <a:pPr algn="l"/>
-            <a:r>
-              <a:rPr lang="en-US" dirty="0" smtClean="0"/>
-              <a:t>References</a:t>
-            </a:r>
-            <a:endParaRPr lang="en-US" dirty="0"/>
-          </a:p>
-        </p:txBody>
-      </p:sp>
-      <p:sp>
-        <p:nvSpPr>
-          <p:cNvPr id="3" name="Content Placeholder 2"/>
-          <p:cNvSpPr>
-            <a:spLocks noGrp="1"/>
-          </p:cNvSpPr>
-          <p:nvPr>
-            <p:ph idx="1"/>
-          </p:nvPr>
-        </p:nvSpPr>
-        <p:spPr/>
+            <p:ph type="title" idx="4294967295"/>
+          </p:nvPr>
+        </p:nvSpPr>
+        <p:spPr>
+          <a:xfrm>
+            <a:off x="609600" y="601663"/>
+            <a:ext cx="9601200" cy="1303337"/>
+          </a:xfrm>
+        </p:spPr>
         <p:txBody>
           <a:bodyPr>
             <a:normAutofit/>
           </a:bodyPr>
           <a:lstStyle/>
           <a:p>
+            <a:pPr algn="l"/>
+            <a:r>
+              <a:rPr lang="en-US" b="1" dirty="0"/>
+              <a:t>What is State?</a:t>
+            </a:r>
+          </a:p>
+        </p:txBody>
+      </p:sp>
+      <p:pic>
+        <p:nvPicPr>
+          <p:cNvPr id="5" name="Picture 4"/>
+          <p:cNvPicPr>
+            <a:picLocks noChangeAspect="1"/>
+          </p:cNvPicPr>
+          <p:nvPr/>
+        </p:nvPicPr>
+        <p:blipFill>
+          <a:blip r:embed="rId2"/>
+          <a:stretch>
+            <a:fillRect/>
+          </a:stretch>
+        </p:blipFill>
+        <p:spPr>
+          <a:xfrm>
+            <a:off x="1619250" y="1676400"/>
+            <a:ext cx="8591550" cy="4210050"/>
+          </a:xfrm>
+          <a:prstGeom prst="rect">
+            <a:avLst/>
+          </a:prstGeom>
+        </p:spPr>
+      </p:pic>
+    </p:spTree>
+    <p:extLst>
+      <p:ext uri="{BB962C8B-B14F-4D97-AF65-F5344CB8AC3E}">
+        <p14:creationId xmlns:p14="http://schemas.microsoft.com/office/powerpoint/2010/main" val="2933980262"/>
+      </p:ext>
+    </p:extLst>
+  </p:cSld>
+  <p:clrMapOvr>
+    <a:masterClrMapping/>
+  </p:clrMapOvr>
+</p:sld>
+</file>
+
+<file path=ppt/slides/slide14.xml><?xml version="1.0" encoding="utf-8"?>
+<p:sld xmlns:a="http://schemas.openxmlformats.org/drawingml/2006/main" xmlns:r="http://schemas.openxmlformats.org/officeDocument/2006/relationships" xmlns:p="http://schemas.openxmlformats.org/presentationml/2006/main">
+  <p:cSld>
+    <p:spTree>
+      <p:nvGrpSpPr>
+        <p:cNvPr id="1" name=""/>
+        <p:cNvGrpSpPr/>
+        <p:nvPr/>
+      </p:nvGrpSpPr>
+      <p:grpSpPr>
+        <a:xfrm>
+          <a:off x="0" y="0"/>
+          <a:ext cx="0" cy="0"/>
+          <a:chOff x="0" y="0"/>
+          <a:chExt cx="0" cy="0"/>
+        </a:xfrm>
+      </p:grpSpPr>
+      <p:sp>
+        <p:nvSpPr>
+          <p:cNvPr id="2" name="Title 1"/>
+          <p:cNvSpPr>
+            <a:spLocks noGrp="1"/>
+          </p:cNvSpPr>
+          <p:nvPr>
+            <p:ph type="title"/>
+          </p:nvPr>
+        </p:nvSpPr>
+        <p:spPr/>
+        <p:txBody>
+          <a:bodyPr/>
+          <a:lstStyle/>
+          <a:p>
+            <a:pPr algn="l"/>
+            <a:r>
+              <a:rPr lang="en-US" dirty="0"/>
+              <a:t>References</a:t>
+            </a:r>
+          </a:p>
+        </p:txBody>
+      </p:sp>
+      <p:sp>
+        <p:nvSpPr>
+          <p:cNvPr id="3" name="Content Placeholder 2"/>
+          <p:cNvSpPr>
+            <a:spLocks noGrp="1"/>
+          </p:cNvSpPr>
+          <p:nvPr>
+            <p:ph idx="1"/>
+          </p:nvPr>
+        </p:nvSpPr>
+        <p:spPr/>
+        <p:txBody>
+          <a:bodyPr>
+            <a:normAutofit/>
+          </a:bodyPr>
+          <a:lstStyle/>
+          <a:p>
             <a:r>
               <a:rPr lang="en-US" dirty="0">
                 <a:solidFill>
@@ -6356,16 +6708,7 @@
                 </a:solidFill>
                 <a:hlinkClick r:id="rId2"/>
               </a:rPr>
-              <a:t>https://medium.com/@</a:t>
-            </a:r>
-            <a:r>
-              <a:rPr lang="en-US" dirty="0" smtClean="0">
-                <a:solidFill>
-                  <a:srgbClr val="0070C0"/>
-                </a:solidFill>
-                <a:hlinkClick r:id="rId2"/>
-              </a:rPr>
-              <a:t>hidace/understanding-reacts-virtual-dom-vs-the-real-dom-68ae29039951</a:t>
+              <a:t>https://medium.com/@hidace/understanding-reacts-virtual-dom-vs-the-real-dom-68ae29039951</a:t>
             </a:r>
             <a:endParaRPr lang="en-US" dirty="0"/>
           </a:p>
@@ -6381,17 +6724,10 @@
   <p:clrMapOvr>
     <a:masterClrMapping/>
   </p:clrMapOvr>
-  <p:timing>
-    <p:tnLst>
-      <p:par>
-        <p:cTn id="1" dur="indefinite" restart="never" nodeType="tmRoot"/>
-      </p:par>
-    </p:tnLst>
-  </p:timing>
 </p:sld>
 </file>
 
-<file path=ppt/slides/slide14.xml><?xml version="1.0" encoding="utf-8"?>
+<file path=ppt/slides/slide15.xml><?xml version="1.0" encoding="utf-8"?>
 <p:sld xmlns:a="http://schemas.openxmlformats.org/drawingml/2006/main" xmlns:r="http://schemas.openxmlformats.org/officeDocument/2006/relationships" xmlns:p="http://schemas.openxmlformats.org/presentationml/2006/main">
   <p:cSld>
     <p:spTree>
@@ -6448,13 +6784,6 @@
   <p:clrMapOvr>
     <a:masterClrMapping/>
   </p:clrMapOvr>
-  <p:timing>
-    <p:tnLst>
-      <p:par>
-        <p:cTn id="1" dur="indefinite" restart="never" nodeType="tmRoot"/>
-      </p:par>
-    </p:tnLst>
-  </p:timing>
 </p:sld>
 </file>
 
@@ -6499,7 +6828,7 @@
           <a:p>
             <a:pPr algn="l"/>
             <a:r>
-              <a:rPr lang="en-US" b="1" dirty="0" smtClean="0"/>
+              <a:rPr lang="en-US" b="1" dirty="0"/>
               <a:t>Table of content</a:t>
             </a:r>
             <a:endParaRPr lang="en-US" dirty="0"/>
@@ -6533,12 +6862,8 @@
               <a:buAutoNum type="arabicPeriod"/>
             </a:pPr>
             <a:r>
-              <a:rPr lang="en-US" sz="1600" dirty="0" smtClean="0"/>
-              <a:t>Why </a:t>
-            </a:r>
-            <a:r>
               <a:rPr lang="en-US" sz="1600" dirty="0"/>
-              <a:t>React?</a:t>
+              <a:t>Why React?</a:t>
             </a:r>
           </a:p>
           <a:p>
@@ -6695,11 +7020,7 @@
             </a:pPr>
             <a:r>
               <a:rPr lang="en-US" sz="1600" dirty="0"/>
-              <a:t>What is </a:t>
-            </a:r>
-            <a:r>
-              <a:rPr lang="en-US" sz="1600" dirty="0" smtClean="0"/>
-              <a:t>Props?</a:t>
+              <a:t>What is Props?</a:t>
             </a:r>
           </a:p>
           <a:p>
@@ -6708,16 +7029,8 @@
               <a:buAutoNum type="arabicPeriod" startAt="8"/>
             </a:pPr>
             <a:r>
-              <a:rPr lang="en-US" sz="1600" dirty="0" smtClean="0"/>
-              <a:t>What </a:t>
-            </a:r>
-            <a:r>
               <a:rPr lang="en-US" sz="1600" dirty="0"/>
-              <a:t>is State</a:t>
-            </a:r>
-            <a:r>
-              <a:rPr lang="en-US" sz="1600" dirty="0" smtClean="0"/>
-              <a:t>?</a:t>
+              <a:t>What is State?</a:t>
             </a:r>
           </a:p>
           <a:p>
@@ -6822,13 +7135,6 @@
   <p:clrMapOvr>
     <a:masterClrMapping/>
   </p:clrMapOvr>
-  <p:timing>
-    <p:tnLst>
-      <p:par>
-        <p:cTn id="1" dur="indefinite" restart="never" nodeType="tmRoot"/>
-      </p:par>
-    </p:tnLst>
-  </p:timing>
 </p:sld>
 </file>
 
@@ -6861,6 +7167,311 @@
         </p:nvSpPr>
         <p:spPr>
           <a:xfrm>
+            <a:off x="619125" y="839788"/>
+            <a:ext cx="10944224" cy="541337"/>
+          </a:xfrm>
+        </p:spPr>
+        <p:txBody>
+          <a:bodyPr>
+            <a:normAutofit fontScale="90000"/>
+          </a:bodyPr>
+          <a:lstStyle/>
+          <a:p>
+            <a:pPr algn="l"/>
+            <a:r>
+              <a:rPr lang="en-US" b="1" dirty="0"/>
+              <a:t>Applications using React</a:t>
+            </a:r>
+            <a:endParaRPr lang="en-US" dirty="0">
+              <a:solidFill>
+                <a:schemeClr val="tx1"/>
+              </a:solidFill>
+            </a:endParaRPr>
+          </a:p>
+        </p:txBody>
+      </p:sp>
+      <p:pic>
+        <p:nvPicPr>
+          <p:cNvPr id="3" name="Picture 3">
+            <a:extLst>
+              <a:ext uri="{FF2B5EF4-FFF2-40B4-BE49-F238E27FC236}">
+                <a16:creationId xmlns:a16="http://schemas.microsoft.com/office/drawing/2014/main" id="{721BE6CD-76C7-40F0-8EA7-1222AC58376F}"/>
+              </a:ext>
+            </a:extLst>
+          </p:cNvPr>
+          <p:cNvPicPr>
+            <a:picLocks noChangeAspect="1"/>
+          </p:cNvPicPr>
+          <p:nvPr/>
+        </p:nvPicPr>
+        <p:blipFill>
+          <a:blip r:embed="rId2"/>
+          <a:stretch>
+            <a:fillRect/>
+          </a:stretch>
+        </p:blipFill>
+        <p:spPr>
+          <a:xfrm>
+            <a:off x="1058174" y="2523857"/>
+            <a:ext cx="2743200" cy="602586"/>
+          </a:xfrm>
+          <a:prstGeom prst="rect">
+            <a:avLst/>
+          </a:prstGeom>
+        </p:spPr>
+      </p:pic>
+      <p:pic>
+        <p:nvPicPr>
+          <p:cNvPr id="5" name="Picture 5" descr="A picture containing clipart&#10;&#10;Description generated with very high confidence">
+            <a:extLst>
+              <a:ext uri="{FF2B5EF4-FFF2-40B4-BE49-F238E27FC236}">
+                <a16:creationId xmlns:a16="http://schemas.microsoft.com/office/drawing/2014/main" id="{60A2EE1C-707B-4AA4-8F35-9A871E39E659}"/>
+              </a:ext>
+            </a:extLst>
+          </p:cNvPr>
+          <p:cNvPicPr>
+            <a:picLocks noChangeAspect="1"/>
+          </p:cNvPicPr>
+          <p:nvPr/>
+        </p:nvPicPr>
+        <p:blipFill>
+          <a:blip r:embed="rId3"/>
+          <a:stretch>
+            <a:fillRect/>
+          </a:stretch>
+        </p:blipFill>
+        <p:spPr>
+          <a:xfrm>
+            <a:off x="4134924" y="2319643"/>
+            <a:ext cx="2743200" cy="1097280"/>
+          </a:xfrm>
+          <a:prstGeom prst="rect">
+            <a:avLst/>
+          </a:prstGeom>
+        </p:spPr>
+      </p:pic>
+      <p:pic>
+        <p:nvPicPr>
+          <p:cNvPr id="4" name="Picture 5">
+            <a:extLst>
+              <a:ext uri="{FF2B5EF4-FFF2-40B4-BE49-F238E27FC236}">
+                <a16:creationId xmlns:a16="http://schemas.microsoft.com/office/drawing/2014/main" id="{41F0DDA1-22F2-4857-88FB-1FC0F3F0AE3E}"/>
+              </a:ext>
+            </a:extLst>
+          </p:cNvPr>
+          <p:cNvPicPr>
+            <a:picLocks noChangeAspect="1"/>
+          </p:cNvPicPr>
+          <p:nvPr/>
+        </p:nvPicPr>
+        <p:blipFill>
+          <a:blip r:embed="rId4"/>
+          <a:stretch>
+            <a:fillRect/>
+          </a:stretch>
+        </p:blipFill>
+        <p:spPr>
+          <a:xfrm>
+            <a:off x="3219541" y="3812878"/>
+            <a:ext cx="2733675" cy="1676400"/>
+          </a:xfrm>
+          <a:prstGeom prst="rect">
+            <a:avLst/>
+          </a:prstGeom>
+        </p:spPr>
+      </p:pic>
+      <p:pic>
+        <p:nvPicPr>
+          <p:cNvPr id="8" name="Picture 9" descr="A picture containing clipart&#10;&#10;Description generated with very high confidence">
+            <a:extLst>
+              <a:ext uri="{FF2B5EF4-FFF2-40B4-BE49-F238E27FC236}">
+                <a16:creationId xmlns:a16="http://schemas.microsoft.com/office/drawing/2014/main" id="{B00ED3D9-6CBF-40AF-B8FB-0D2ABD39339F}"/>
+              </a:ext>
+            </a:extLst>
+          </p:cNvPr>
+          <p:cNvPicPr>
+            <a:picLocks noChangeAspect="1"/>
+          </p:cNvPicPr>
+          <p:nvPr/>
+        </p:nvPicPr>
+        <p:blipFill>
+          <a:blip r:embed="rId5"/>
+          <a:stretch>
+            <a:fillRect/>
+          </a:stretch>
+        </p:blipFill>
+        <p:spPr>
+          <a:xfrm>
+            <a:off x="9086227" y="2702047"/>
+            <a:ext cx="1438275" cy="476250"/>
+          </a:xfrm>
+          <a:prstGeom prst="rect">
+            <a:avLst/>
+          </a:prstGeom>
+        </p:spPr>
+      </p:pic>
+      <p:pic>
+        <p:nvPicPr>
+          <p:cNvPr id="12" name="Picture 12">
+            <a:extLst>
+              <a:ext uri="{FF2B5EF4-FFF2-40B4-BE49-F238E27FC236}">
+                <a16:creationId xmlns:a16="http://schemas.microsoft.com/office/drawing/2014/main" id="{1228FD47-5C13-46CB-9254-6CFFBED19361}"/>
+              </a:ext>
+            </a:extLst>
+          </p:cNvPr>
+          <p:cNvPicPr>
+            <a:picLocks noChangeAspect="1"/>
+          </p:cNvPicPr>
+          <p:nvPr/>
+        </p:nvPicPr>
+        <p:blipFill>
+          <a:blip r:embed="rId6"/>
+          <a:stretch>
+            <a:fillRect/>
+          </a:stretch>
+        </p:blipFill>
+        <p:spPr>
+          <a:xfrm>
+            <a:off x="8813053" y="4070046"/>
+            <a:ext cx="1438275" cy="1162050"/>
+          </a:xfrm>
+          <a:prstGeom prst="rect">
+            <a:avLst/>
+          </a:prstGeom>
+        </p:spPr>
+      </p:pic>
+      <p:pic>
+        <p:nvPicPr>
+          <p:cNvPr id="16" name="Picture 16">
+            <a:extLst>
+              <a:ext uri="{FF2B5EF4-FFF2-40B4-BE49-F238E27FC236}">
+                <a16:creationId xmlns:a16="http://schemas.microsoft.com/office/drawing/2014/main" id="{CC17C190-318D-478A-9C3F-201FCD2EB6D0}"/>
+              </a:ext>
+            </a:extLst>
+          </p:cNvPr>
+          <p:cNvPicPr>
+            <a:picLocks noChangeAspect="1"/>
+          </p:cNvPicPr>
+          <p:nvPr/>
+        </p:nvPicPr>
+        <p:blipFill>
+          <a:blip r:embed="rId7"/>
+          <a:stretch>
+            <a:fillRect/>
+          </a:stretch>
+        </p:blipFill>
+        <p:spPr>
+          <a:xfrm>
+            <a:off x="7217167" y="2692520"/>
+            <a:ext cx="1438275" cy="495300"/>
+          </a:xfrm>
+          <a:prstGeom prst="rect">
+            <a:avLst/>
+          </a:prstGeom>
+        </p:spPr>
+      </p:pic>
+      <p:pic>
+        <p:nvPicPr>
+          <p:cNvPr id="18" name="Picture 18" descr="A picture containing clipart&#10;&#10;Description generated with very high confidence">
+            <a:extLst>
+              <a:ext uri="{FF2B5EF4-FFF2-40B4-BE49-F238E27FC236}">
+                <a16:creationId xmlns:a16="http://schemas.microsoft.com/office/drawing/2014/main" id="{94B0E18D-FDF5-4D81-AC3E-E7609CE08F2A}"/>
+              </a:ext>
+            </a:extLst>
+          </p:cNvPr>
+          <p:cNvPicPr>
+            <a:picLocks noChangeAspect="1"/>
+          </p:cNvPicPr>
+          <p:nvPr/>
+        </p:nvPicPr>
+        <p:blipFill>
+          <a:blip r:embed="rId8"/>
+          <a:stretch>
+            <a:fillRect/>
+          </a:stretch>
+        </p:blipFill>
+        <p:spPr>
+          <a:xfrm>
+            <a:off x="6813613" y="4089093"/>
+            <a:ext cx="1123950" cy="1123950"/>
+          </a:xfrm>
+          <a:prstGeom prst="rect">
+            <a:avLst/>
+          </a:prstGeom>
+        </p:spPr>
+      </p:pic>
+      <p:pic>
+        <p:nvPicPr>
+          <p:cNvPr id="20" name="Picture 20">
+            <a:extLst>
+              <a:ext uri="{FF2B5EF4-FFF2-40B4-BE49-F238E27FC236}">
+                <a16:creationId xmlns:a16="http://schemas.microsoft.com/office/drawing/2014/main" id="{75FCAC2A-9800-4281-806D-FE52D9206B0B}"/>
+              </a:ext>
+            </a:extLst>
+          </p:cNvPr>
+          <p:cNvPicPr>
+            <a:picLocks noChangeAspect="1"/>
+          </p:cNvPicPr>
+          <p:nvPr/>
+        </p:nvPicPr>
+        <p:blipFill>
+          <a:blip r:embed="rId9"/>
+          <a:stretch>
+            <a:fillRect/>
+          </a:stretch>
+        </p:blipFill>
+        <p:spPr>
+          <a:xfrm>
+            <a:off x="1335478" y="4146252"/>
+            <a:ext cx="1009650" cy="1009650"/>
+          </a:xfrm>
+          <a:prstGeom prst="rect">
+            <a:avLst/>
+          </a:prstGeom>
+        </p:spPr>
+      </p:pic>
+    </p:spTree>
+    <p:extLst>
+      <p:ext uri="{BB962C8B-B14F-4D97-AF65-F5344CB8AC3E}">
+        <p14:creationId xmlns:p14="http://schemas.microsoft.com/office/powerpoint/2010/main" val="417589620"/>
+      </p:ext>
+    </p:extLst>
+  </p:cSld>
+  <p:clrMapOvr>
+    <a:masterClrMapping/>
+  </p:clrMapOvr>
+</p:sld>
+</file>
+
+<file path=ppt/slides/slide4.xml><?xml version="1.0" encoding="utf-8"?>
+<p:sld xmlns:a="http://schemas.openxmlformats.org/drawingml/2006/main" xmlns:r="http://schemas.openxmlformats.org/officeDocument/2006/relationships" xmlns:p="http://schemas.openxmlformats.org/presentationml/2006/main">
+  <p:cSld>
+    <p:spTree>
+      <p:nvGrpSpPr>
+        <p:cNvPr id="1" name=""/>
+        <p:cNvGrpSpPr/>
+        <p:nvPr/>
+      </p:nvGrpSpPr>
+      <p:grpSpPr>
+        <a:xfrm>
+          <a:off x="0" y="0"/>
+          <a:ext cx="0" cy="0"/>
+          <a:chOff x="0" y="0"/>
+          <a:chExt cx="0" cy="0"/>
+        </a:xfrm>
+      </p:grpSpPr>
+      <p:sp>
+        <p:nvSpPr>
+          <p:cNvPr id="2" name="Title 1"/>
+          <p:cNvSpPr>
+            <a:spLocks noGrp="1"/>
+          </p:cNvSpPr>
+          <p:nvPr>
+            <p:ph type="title" idx="4294967295"/>
+          </p:nvPr>
+        </p:nvSpPr>
+        <p:spPr>
+          <a:xfrm>
             <a:off x="619125" y="620713"/>
             <a:ext cx="9601200" cy="1303337"/>
           </a:xfrm>
@@ -6873,7 +7484,7 @@
           <a:p>
             <a:pPr algn="l"/>
             <a:r>
-              <a:rPr lang="en-US" b="1" dirty="0" smtClean="0"/>
+              <a:rPr lang="en-US" b="1" dirty="0"/>
               <a:t>Why React?</a:t>
             </a:r>
             <a:endParaRPr lang="en-US" dirty="0"/>
@@ -6950,17 +7561,10 @@
   <p:clrMapOvr>
     <a:masterClrMapping/>
   </p:clrMapOvr>
-  <p:timing>
-    <p:tnLst>
-      <p:par>
-        <p:cTn id="1" dur="indefinite" restart="never" nodeType="tmRoot"/>
-      </p:par>
-    </p:tnLst>
-  </p:timing>
 </p:sld>
 </file>
 
-<file path=ppt/slides/slide4.xml><?xml version="1.0" encoding="utf-8"?>
+<file path=ppt/slides/slide5.xml><?xml version="1.0" encoding="utf-8"?>
 <p:sld xmlns:a="http://schemas.openxmlformats.org/drawingml/2006/main" xmlns:r="http://schemas.openxmlformats.org/officeDocument/2006/relationships" xmlns:p="http://schemas.openxmlformats.org/presentationml/2006/main">
   <p:cSld>
     <p:spTree>
@@ -7001,7 +7605,7 @@
           <a:p>
             <a:pPr algn="l"/>
             <a:r>
-              <a:rPr lang="en-US" b="1" dirty="0" smtClean="0"/>
+              <a:rPr lang="en-US" b="1" dirty="0"/>
               <a:t>What is DOM/Virtual DOM?</a:t>
             </a:r>
             <a:endParaRPr lang="en-US" dirty="0"/>
@@ -7048,17 +7652,10 @@
   <p:clrMapOvr>
     <a:masterClrMapping/>
   </p:clrMapOvr>
-  <p:timing>
-    <p:tnLst>
-      <p:par>
-        <p:cTn id="1" dur="indefinite" restart="never" nodeType="tmRoot"/>
-      </p:par>
-    </p:tnLst>
-  </p:timing>
 </p:sld>
 </file>
 
-<file path=ppt/slides/slide5.xml><?xml version="1.0" encoding="utf-8"?>
+<file path=ppt/slides/slide6.xml><?xml version="1.0" encoding="utf-8"?>
 <p:sld xmlns:a="http://schemas.openxmlformats.org/drawingml/2006/main" xmlns:r="http://schemas.openxmlformats.org/officeDocument/2006/relationships" xmlns:p="http://schemas.openxmlformats.org/presentationml/2006/main">
   <p:cSld>
     <p:spTree>
@@ -7115,17 +7712,10 @@
   <p:clrMapOvr>
     <a:masterClrMapping/>
   </p:clrMapOvr>
-  <p:timing>
-    <p:tnLst>
-      <p:par>
-        <p:cTn id="1" dur="indefinite" restart="never" nodeType="tmRoot"/>
-      </p:par>
-    </p:tnLst>
-  </p:timing>
 </p:sld>
 </file>
 
-<file path=ppt/slides/slide6.xml><?xml version="1.0" encoding="utf-8"?>
+<file path=ppt/slides/slide7.xml><?xml version="1.0" encoding="utf-8"?>
 <p:sld xmlns:a="http://schemas.openxmlformats.org/drawingml/2006/main" xmlns:r="http://schemas.openxmlformats.org/officeDocument/2006/relationships" xmlns:p="http://schemas.openxmlformats.org/presentationml/2006/main">
   <p:cSld>
     <p:spTree>
@@ -7166,27 +7756,23 @@
           <a:p>
             <a:pPr algn="l"/>
             <a:r>
-              <a:rPr lang="en-US" b="1" dirty="0" smtClean="0"/>
+              <a:rPr lang="en-US" b="1" dirty="0"/>
               <a:t>What is </a:t>
             </a:r>
             <a:r>
-              <a:rPr lang="en-US" b="1" dirty="0" err="1" smtClean="0"/>
+              <a:rPr lang="en-US" b="1" dirty="0" err="1"/>
               <a:t>npm</a:t>
             </a:r>
             <a:r>
-              <a:rPr lang="en-US" b="1" dirty="0" smtClean="0"/>
+              <a:rPr lang="en-US" b="1" dirty="0"/>
               <a:t>/yarn, </a:t>
             </a:r>
             <a:r>
               <a:rPr lang="en-US" b="1" dirty="0" err="1"/>
-              <a:t>W</a:t>
-            </a:r>
-            <a:r>
-              <a:rPr lang="en-US" b="1" dirty="0" err="1" smtClean="0"/>
-              <a:t>ebpack</a:t>
-            </a:r>
-            <a:r>
-              <a:rPr lang="en-US" b="1" dirty="0" smtClean="0"/>
+              <a:t>Webpack</a:t>
+            </a:r>
+            <a:r>
+              <a:rPr lang="en-US" b="1" dirty="0"/>
               <a:t> and Babel?</a:t>
             </a:r>
             <a:endParaRPr lang="en-US" dirty="0"/>
@@ -7323,225 +7909,6 @@
   <p:clrMapOvr>
     <a:masterClrMapping/>
   </p:clrMapOvr>
-  <p:timing>
-    <p:tnLst>
-      <p:par>
-        <p:cTn id="1" dur="indefinite" restart="never" nodeType="tmRoot"/>
-      </p:par>
-    </p:tnLst>
-  </p:timing>
-</p:sld>
-</file>
-
-<file path=ppt/slides/slide7.xml><?xml version="1.0" encoding="utf-8"?>
-<p:sld xmlns:a="http://schemas.openxmlformats.org/drawingml/2006/main" xmlns:r="http://schemas.openxmlformats.org/officeDocument/2006/relationships" xmlns:p="http://schemas.openxmlformats.org/presentationml/2006/main">
-  <p:cSld>
-    <p:spTree>
-      <p:nvGrpSpPr>
-        <p:cNvPr id="1" name=""/>
-        <p:cNvGrpSpPr/>
-        <p:nvPr/>
-      </p:nvGrpSpPr>
-      <p:grpSpPr>
-        <a:xfrm>
-          <a:off x="0" y="0"/>
-          <a:ext cx="0" cy="0"/>
-          <a:chOff x="0" y="0"/>
-          <a:chExt cx="0" cy="0"/>
-        </a:xfrm>
-      </p:grpSpPr>
-      <p:sp>
-        <p:nvSpPr>
-          <p:cNvPr id="2" name="Title 1"/>
-          <p:cNvSpPr>
-            <a:spLocks noGrp="1"/>
-          </p:cNvSpPr>
-          <p:nvPr>
-            <p:ph type="title" idx="4294967295"/>
-          </p:nvPr>
-        </p:nvSpPr>
-        <p:spPr>
-          <a:xfrm>
-            <a:off x="619125" y="601661"/>
-            <a:ext cx="9601200" cy="1303337"/>
-          </a:xfrm>
-        </p:spPr>
-        <p:txBody>
-          <a:bodyPr>
-            <a:normAutofit/>
-          </a:bodyPr>
-          <a:lstStyle/>
-          <a:p>
-            <a:pPr algn="l"/>
-            <a:r>
-              <a:rPr lang="en-US" b="1" dirty="0" smtClean="0"/>
-              <a:t>What is JSX?</a:t>
-            </a:r>
-            <a:endParaRPr lang="en-US" dirty="0"/>
-          </a:p>
-        </p:txBody>
-      </p:sp>
-      <p:sp>
-        <p:nvSpPr>
-          <p:cNvPr id="4" name="Content Placeholder 3"/>
-          <p:cNvSpPr>
-            <a:spLocks noGrp="1"/>
-          </p:cNvSpPr>
-          <p:nvPr>
-            <p:ph idx="4294967295"/>
-          </p:nvPr>
-        </p:nvSpPr>
-        <p:spPr>
-          <a:xfrm>
-            <a:off x="1057275" y="2533651"/>
-            <a:ext cx="9601200" cy="3317875"/>
-          </a:xfrm>
-        </p:spPr>
-        <p:txBody>
-          <a:bodyPr>
-            <a:normAutofit fontScale="92500"/>
-          </a:bodyPr>
-          <a:lstStyle/>
-          <a:p>
-            <a:endParaRPr lang="en-US" dirty="0" smtClean="0"/>
-          </a:p>
-          <a:p>
-            <a:endParaRPr lang="en-US" dirty="0"/>
-          </a:p>
-          <a:p>
-            <a:pPr>
-              <a:buFont typeface="Arial" panose="020B0604020202020204" pitchFamily="34" charset="0"/>
-              <a:buChar char="•"/>
-            </a:pPr>
-            <a:r>
-              <a:rPr lang="en-US" dirty="0" smtClean="0"/>
-              <a:t>It </a:t>
-            </a:r>
-            <a:r>
-              <a:rPr lang="en-US" dirty="0"/>
-              <a:t>is called JSX, and it is a syntax extension to JavaScript</a:t>
-            </a:r>
-            <a:r>
-              <a:rPr lang="en-US" dirty="0" smtClean="0"/>
-              <a:t>.</a:t>
-            </a:r>
-          </a:p>
-          <a:p>
-            <a:pPr>
-              <a:buFont typeface="Arial" panose="020B0604020202020204" pitchFamily="34" charset="0"/>
-              <a:buChar char="•"/>
-            </a:pPr>
-            <a:r>
-              <a:rPr lang="en-US" dirty="0" smtClean="0"/>
-              <a:t>Facebook </a:t>
-            </a:r>
-            <a:r>
-              <a:rPr lang="en-US" dirty="0"/>
-              <a:t>recommend using it with React to describe what the UI should look like</a:t>
-            </a:r>
-            <a:r>
-              <a:rPr lang="en-US" dirty="0" smtClean="0"/>
-              <a:t>.</a:t>
-            </a:r>
-          </a:p>
-          <a:p>
-            <a:pPr>
-              <a:buFont typeface="Arial" panose="020B0604020202020204" pitchFamily="34" charset="0"/>
-              <a:buChar char="•"/>
-            </a:pPr>
-            <a:r>
-              <a:rPr lang="en-US" dirty="0" smtClean="0"/>
-              <a:t>Though JSX </a:t>
-            </a:r>
-            <a:r>
-              <a:rPr lang="en-US" dirty="0"/>
-              <a:t>may remind </a:t>
-            </a:r>
-            <a:r>
-              <a:rPr lang="en-US" dirty="0" smtClean="0"/>
-              <a:t>us </a:t>
-            </a:r>
-            <a:r>
-              <a:rPr lang="en-US" dirty="0"/>
-              <a:t>of a template language, </a:t>
-            </a:r>
-            <a:r>
-              <a:rPr lang="en-US" dirty="0" smtClean="0"/>
-              <a:t>it </a:t>
-            </a:r>
-            <a:r>
-              <a:rPr lang="en-US" dirty="0"/>
-              <a:t>comes with the full power of JavaScript.</a:t>
-            </a:r>
-            <a:endParaRPr lang="en-US" dirty="0" smtClean="0"/>
-          </a:p>
-          <a:p>
-            <a:pPr>
-              <a:buFont typeface="Arial" panose="020B0604020202020204" pitchFamily="34" charset="0"/>
-              <a:buChar char="•"/>
-            </a:pPr>
-            <a:r>
-              <a:rPr lang="en-US" dirty="0" smtClean="0"/>
-              <a:t>JSX </a:t>
-            </a:r>
-            <a:r>
-              <a:rPr lang="en-US" dirty="0"/>
-              <a:t>produces React “elements</a:t>
-            </a:r>
-            <a:r>
-              <a:rPr lang="en-US" dirty="0" smtClean="0"/>
-              <a:t>”.</a:t>
-            </a:r>
-          </a:p>
-          <a:p>
-            <a:endParaRPr lang="en-US" dirty="0" smtClean="0"/>
-          </a:p>
-          <a:p>
-            <a:endParaRPr lang="en-US" dirty="0"/>
-          </a:p>
-        </p:txBody>
-      </p:sp>
-      <p:pic>
-        <p:nvPicPr>
-          <p:cNvPr id="8" name="Picture 7"/>
-          <p:cNvPicPr>
-            <a:picLocks noChangeAspect="1"/>
-          </p:cNvPicPr>
-          <p:nvPr/>
-        </p:nvPicPr>
-        <p:blipFill>
-          <a:blip r:embed="rId2"/>
-          <a:stretch>
-            <a:fillRect/>
-          </a:stretch>
-        </p:blipFill>
-        <p:spPr>
-          <a:xfrm>
-            <a:off x="1495425" y="2005013"/>
-            <a:ext cx="8724900" cy="1104900"/>
-          </a:xfrm>
-          <a:prstGeom prst="rect">
-            <a:avLst/>
-          </a:prstGeom>
-        </p:spPr>
-      </p:pic>
-    </p:spTree>
-    <p:extLst>
-      <p:ext uri="{BB962C8B-B14F-4D97-AF65-F5344CB8AC3E}">
-        <p14:creationId xmlns:p14="http://schemas.microsoft.com/office/powerpoint/2010/main" val="311072485"/>
-      </p:ext>
-    </p:extLst>
-  </p:cSld>
-  <p:clrMapOvr>
-    <a:masterClrMapping/>
-  </p:clrMapOvr>
-  <p:timing>
-    <p:tnLst>
-      <p:par>
-        <p:cTn id="1" dur="indefinite" restart="never" nodeType="tmRoot"/>
-      </p:par>
-    </p:tnLst>
-  </p:timing>
 </p:sld>
 </file>
 
@@ -7574,7 +7941,7 @@
         </p:nvSpPr>
         <p:spPr>
           <a:xfrm>
-            <a:off x="609600" y="601663"/>
+            <a:off x="619125" y="601661"/>
             <a:ext cx="9601200" cy="1303337"/>
           </a:xfrm>
         </p:spPr>
@@ -7586,24 +7953,91 @@
           <a:p>
             <a:pPr algn="l"/>
             <a:r>
-              <a:rPr lang="en-US" b="1" dirty="0" smtClean="0"/>
-              <a:t>Embedding </a:t>
-            </a:r>
-            <a:r>
               <a:rPr lang="en-US" b="1" dirty="0"/>
-              <a:t>Expressions in </a:t>
-            </a:r>
-            <a:r>
-              <a:rPr lang="en-US" b="1" dirty="0" smtClean="0"/>
-              <a:t>JSX</a:t>
-            </a:r>
-            <a:endParaRPr lang="en-US" b="1" dirty="0"/>
+              <a:t>What is JSX?</a:t>
+            </a:r>
+            <a:endParaRPr lang="en-US" dirty="0"/>
+          </a:p>
+        </p:txBody>
+      </p:sp>
+      <p:sp>
+        <p:nvSpPr>
+          <p:cNvPr id="4" name="Content Placeholder 3"/>
+          <p:cNvSpPr>
+            <a:spLocks noGrp="1"/>
+          </p:cNvSpPr>
+          <p:nvPr>
+            <p:ph idx="4294967295"/>
+          </p:nvPr>
+        </p:nvSpPr>
+        <p:spPr>
+          <a:xfrm>
+            <a:off x="1057275" y="2533651"/>
+            <a:ext cx="9601200" cy="3317875"/>
+          </a:xfrm>
+        </p:spPr>
+        <p:txBody>
+          <a:bodyPr>
+            <a:normAutofit fontScale="92500"/>
+          </a:bodyPr>
+          <a:lstStyle/>
+          <a:p>
+            <a:endParaRPr lang="en-US" dirty="0"/>
+          </a:p>
+          <a:p>
+            <a:endParaRPr lang="en-US" dirty="0"/>
+          </a:p>
+          <a:p>
+            <a:pPr>
+              <a:buFont typeface="Arial" panose="020B0604020202020204" pitchFamily="34" charset="0"/>
+              <a:buChar char="•"/>
+            </a:pPr>
+            <a:r>
+              <a:rPr lang="en-US" dirty="0"/>
+              <a:t>It is called JSX, and it is a syntax extension to JavaScript.</a:t>
+            </a:r>
+          </a:p>
+          <a:p>
+            <a:pPr>
+              <a:buFont typeface="Arial" panose="020B0604020202020204" pitchFamily="34" charset="0"/>
+              <a:buChar char="•"/>
+            </a:pPr>
+            <a:r>
+              <a:rPr lang="en-US" dirty="0"/>
+              <a:t>Facebook recommend using it with React to describe what the UI should look like.</a:t>
+            </a:r>
+          </a:p>
+          <a:p>
+            <a:pPr>
+              <a:buFont typeface="Arial" panose="020B0604020202020204" pitchFamily="34" charset="0"/>
+              <a:buChar char="•"/>
+            </a:pPr>
+            <a:r>
+              <a:rPr lang="en-US" dirty="0"/>
+              <a:t>Though JSX may remind us of a template language, it comes with the full power of JavaScript.</a:t>
+            </a:r>
+          </a:p>
+          <a:p>
+            <a:pPr>
+              <a:buFont typeface="Arial" panose="020B0604020202020204" pitchFamily="34" charset="0"/>
+              <a:buChar char="•"/>
+            </a:pPr>
+            <a:r>
+              <a:rPr lang="en-US" dirty="0"/>
+              <a:t>JSX produces React “elements”.</a:t>
+            </a:r>
+          </a:p>
+          <a:p>
+            <a:endParaRPr lang="en-US" dirty="0"/>
+          </a:p>
+          <a:p>
+            <a:endParaRPr lang="en-US" dirty="0"/>
           </a:p>
         </p:txBody>
       </p:sp>
       <p:pic>
         <p:nvPicPr>
-          <p:cNvPr id="7" name="Picture 6"/>
+          <p:cNvPr id="8" name="Picture 7"/>
           <p:cNvPicPr>
             <a:picLocks noChangeAspect="1"/>
           </p:cNvPicPr>
@@ -7617,8 +8051,8 @@
         </p:blipFill>
         <p:spPr>
           <a:xfrm>
-            <a:off x="1513998" y="1728787"/>
-            <a:ext cx="7792403" cy="4466273"/>
+            <a:off x="1495425" y="2005013"/>
+            <a:ext cx="8724900" cy="1104900"/>
           </a:xfrm>
           <a:prstGeom prst="rect">
             <a:avLst/>
@@ -7628,20 +8062,13 @@
     </p:spTree>
     <p:extLst>
       <p:ext uri="{BB962C8B-B14F-4D97-AF65-F5344CB8AC3E}">
-        <p14:creationId xmlns:p14="http://schemas.microsoft.com/office/powerpoint/2010/main" val="681587407"/>
+        <p14:creationId xmlns:p14="http://schemas.microsoft.com/office/powerpoint/2010/main" val="311072485"/>
       </p:ext>
     </p:extLst>
   </p:cSld>
   <p:clrMapOvr>
     <a:masterClrMapping/>
   </p:clrMapOvr>
-  <p:timing>
-    <p:tnLst>
-      <p:par>
-        <p:cTn id="1" dur="indefinite" restart="never" nodeType="tmRoot"/>
-      </p:par>
-    </p:tnLst>
-  </p:timing>
 </p:sld>
 </file>
 
@@ -7686,16 +8113,15 @@
           <a:p>
             <a:pPr algn="l"/>
             <a:r>
-              <a:rPr lang="en-US" b="1" dirty="0" smtClean="0"/>
-              <a:t>Rendering Elements</a:t>
-            </a:r>
-            <a:endParaRPr lang="en-US" b="1" dirty="0"/>
+              <a:rPr lang="en-US" b="1" dirty="0"/>
+              <a:t>Embedding Expressions in JSX</a:t>
+            </a:r>
           </a:p>
         </p:txBody>
       </p:sp>
       <p:pic>
         <p:nvPicPr>
-          <p:cNvPr id="4" name="Picture 3"/>
+          <p:cNvPr id="7" name="Picture 6"/>
           <p:cNvPicPr>
             <a:picLocks noChangeAspect="1"/>
           </p:cNvPicPr>
@@ -7709,8 +8135,8 @@
         </p:blipFill>
         <p:spPr>
           <a:xfrm>
-            <a:off x="2876550" y="1685925"/>
-            <a:ext cx="6370320" cy="4488180"/>
+            <a:off x="1513998" y="1728787"/>
+            <a:ext cx="7792403" cy="4466273"/>
           </a:xfrm>
           <a:prstGeom prst="rect">
             <a:avLst/>
@@ -7720,20 +8146,13 @@
     </p:spTree>
     <p:extLst>
       <p:ext uri="{BB962C8B-B14F-4D97-AF65-F5344CB8AC3E}">
-        <p14:creationId xmlns:p14="http://schemas.microsoft.com/office/powerpoint/2010/main" val="104410108"/>
+        <p14:creationId xmlns:p14="http://schemas.microsoft.com/office/powerpoint/2010/main" val="681587407"/>
       </p:ext>
     </p:extLst>
   </p:cSld>
   <p:clrMapOvr>
     <a:masterClrMapping/>
   </p:clrMapOvr>
-  <p:timing>
-    <p:tnLst>
-      <p:par>
-        <p:cTn id="1" dur="indefinite" restart="never" nodeType="tmRoot"/>
-      </p:par>
-    </p:tnLst>
-  </p:timing>
 </p:sld>
 </file>
 
